--- a/translations/en-us/RobotGame/LEGOCAD.pptx
+++ b/translations/en-us/RobotGame/LEGOCAD.pptx
@@ -2317,7 +2317,7 @@
           <a:noFill/>
           <a:extLst>
             <a:ext uri="{909E8E84-426E-40dd-AFC4-6F175D3DCCD1}">
-              <a14:hiddenFill xmlns:a14="http://schemas.microsoft.com/office/drawing/2010/main" xmlns="">
+              <a14:hiddenFill xmlns="" xmlns:a14="http://schemas.microsoft.com/office/drawing/2010/main">
                 <a:solidFill>
                   <a:srgbClr val="FFFFFF"/>
                 </a:solidFill>
@@ -29535,7 +29535,7 @@
           <a:effectLst/>
           <a:extLst>
             <a:ext uri="{91240B29-F687-4f45-9708-019B960494DF}">
-              <a14:hiddenLine xmlns="" xmlns:a14="http://schemas.microsoft.com/office/drawing/2010/main" w="9525">
+              <a14:hiddenLine xmlns:a14="http://schemas.microsoft.com/office/drawing/2010/main" xmlns="" w="9525">
                 <a:solidFill>
                   <a:schemeClr val="tx1"/>
                 </a:solidFill>
@@ -29545,7 +29545,7 @@
               </a14:hiddenLine>
             </a:ext>
             <a:ext uri="{AF507438-7753-43e0-B8FC-AC1667EBCBE1}">
-              <a14:hiddenEffects xmlns="" xmlns:a14="http://schemas.microsoft.com/office/drawing/2010/main">
+              <a14:hiddenEffects xmlns:a14="http://schemas.microsoft.com/office/drawing/2010/main" xmlns="">
                 <a:effectLst>
                   <a:outerShdw dist="35921" dir="2700000" algn="ctr" rotWithShape="0">
                     <a:schemeClr val="bg2"/>
@@ -29886,7 +29886,7 @@
           <a:noFill/>
           <a:extLst>
             <a:ext uri="{909E8E84-426E-40dd-AFC4-6F175D3DCCD1}">
-              <a14:hiddenFill xmlns="" xmlns:a14="http://schemas.microsoft.com/office/drawing/2010/main">
+              <a14:hiddenFill xmlns:a14="http://schemas.microsoft.com/office/drawing/2010/main" xmlns="">
                 <a:solidFill>
                   <a:srgbClr val="FFFFFF"/>
                 </a:solidFill>
@@ -30005,7 +30005,7 @@
             </a:pPr>
             <a:r>
               <a:rPr lang="en-US" sz="2000" dirty="0"/>
-              <a:t>Can be used to upload you design into some virtual robotics environments that are available for third-party providers</a:t>
+              <a:t>Can be used to upload you design into some virtual robotics environments that are available from third-party providers</a:t>
             </a:r>
           </a:p>
         </p:txBody>

--- a/translations/en-us/RobotGame/LEGOCAD.pptx
+++ b/translations/en-us/RobotGame/LEGOCAD.pptx
@@ -11,23 +11,24 @@
     <p:sldMasterId id="2147483907" r:id="rId7"/>
   </p:sldMasterIdLst>
   <p:notesMasterIdLst>
-    <p:notesMasterId r:id="rId19"/>
+    <p:notesMasterId r:id="rId20"/>
   </p:notesMasterIdLst>
   <p:handoutMasterIdLst>
-    <p:handoutMasterId r:id="rId20"/>
+    <p:handoutMasterId r:id="rId21"/>
   </p:handoutMasterIdLst>
   <p:sldIdLst>
     <p:sldId id="289" r:id="rId8"/>
-    <p:sldId id="290" r:id="rId9"/>
-    <p:sldId id="291" r:id="rId10"/>
-    <p:sldId id="292" r:id="rId11"/>
-    <p:sldId id="293" r:id="rId12"/>
-    <p:sldId id="294" r:id="rId13"/>
-    <p:sldId id="297" r:id="rId14"/>
-    <p:sldId id="300" r:id="rId15"/>
-    <p:sldId id="299" r:id="rId16"/>
-    <p:sldId id="295" r:id="rId17"/>
-    <p:sldId id="274" r:id="rId18"/>
+    <p:sldId id="301" r:id="rId9"/>
+    <p:sldId id="290" r:id="rId10"/>
+    <p:sldId id="291" r:id="rId11"/>
+    <p:sldId id="292" r:id="rId12"/>
+    <p:sldId id="293" r:id="rId13"/>
+    <p:sldId id="294" r:id="rId14"/>
+    <p:sldId id="297" r:id="rId15"/>
+    <p:sldId id="300" r:id="rId16"/>
+    <p:sldId id="299" r:id="rId17"/>
+    <p:sldId id="295" r:id="rId18"/>
+    <p:sldId id="274" r:id="rId19"/>
   </p:sldIdLst>
   <p:sldSz cx="9144000" cy="6858000" type="screen4x3"/>
   <p:notesSz cx="6858000" cy="9144000"/>
@@ -227,7 +228,7 @@
           <a:p>
             <a:fld id="{E354B44E-40A3-0E46-B16A-9BF1250A248B}" type="datetimeFigureOut">
               <a:rPr lang="en-US" smtClean="0"/>
-              <a:t>6/11/18</a:t>
+              <a:t>5/29/23</a:t>
             </a:fld>
             <a:endParaRPr lang="en-US"/>
           </a:p>
@@ -393,7 +394,7 @@
           <a:p>
             <a:fld id="{C86AD16C-2DB4-6642-BAD4-9ED973A087A0}" type="datetimeFigureOut">
               <a:rPr lang="en-US" smtClean="0"/>
-              <a:t>6/11/18</a:t>
+              <a:t>5/29/23</a:t>
             </a:fld>
             <a:endParaRPr lang="en-US"/>
           </a:p>
@@ -810,7 +811,7 @@
           <a:p>
             <a:fld id="{1E5BF589-3978-3C45-966B-D7B7A71F2A02}" type="slidenum">
               <a:rPr lang="en-US" smtClean="0"/>
-              <a:t>8</a:t>
+              <a:t>9</a:t>
             </a:fld>
             <a:endParaRPr lang="en-US"/>
           </a:p>
@@ -894,7 +895,7 @@
           <a:p>
             <a:fld id="{1E5BF589-3978-3C45-966B-D7B7A71F2A02}" type="slidenum">
               <a:rPr lang="en-US" smtClean="0"/>
-              <a:t>11</a:t>
+              <a:t>12</a:t>
             </a:fld>
             <a:endParaRPr lang="en-US"/>
           </a:p>
@@ -1104,9 +1105,9 @@
           <a:bodyPr/>
           <a:lstStyle/>
           <a:p>
-            <a:fld id="{A481F6A4-8524-4E81-8972-76106539FA3D}" type="datetime1">
+            <a:fld id="{1BDE7CA0-D065-344C-8DC4-FB5CDAA07B72}" type="datetime1">
               <a:rPr lang="en-US" smtClean="0"/>
-              <a:t>6/11/18</a:t>
+              <a:t>5/29/23</a:t>
             </a:fld>
             <a:endParaRPr lang="en-US"/>
           </a:p>
@@ -1129,7 +1130,7 @@
           <a:p>
             <a:r>
               <a:rPr lang="en-US"/>
-              <a:t>© 2018, FLL Tutorials, Last Edit 6/11/2018</a:t>
+              <a:t>© 2023, FLLTutorials.com, Last Edit 5/29/2023</a:t>
             </a:r>
           </a:p>
         </p:txBody>
@@ -1700,9 +1701,9 @@
           <a:bodyPr/>
           <a:lstStyle/>
           <a:p>
-            <a:fld id="{4AB2D3D5-0F70-4F1B-8701-5DB146883916}" type="datetime1">
+            <a:fld id="{A21F9349-CC22-F74A-AA4A-11056C4EF779}" type="datetime1">
               <a:rPr lang="en-US" smtClean="0"/>
-              <a:t>6/11/18</a:t>
+              <a:t>5/29/23</a:t>
             </a:fld>
             <a:endParaRPr lang="en-US"/>
           </a:p>
@@ -1725,7 +1726,7 @@
           <a:p>
             <a:r>
               <a:rPr lang="en-US"/>
-              <a:t>© 2018, FLL Tutorials, Last Edit 6/11/2018</a:t>
+              <a:t>© 2023, FLLTutorials.com, Last Edit 5/29/2023</a:t>
             </a:r>
           </a:p>
         </p:txBody>
@@ -1881,9 +1882,9 @@
           <a:bodyPr/>
           <a:lstStyle/>
           <a:p>
-            <a:fld id="{4FC38DF2-9FC4-40D6-BE32-E9489AD80966}" type="datetime1">
+            <a:fld id="{E4306CA5-066B-7049-B567-06F63B8F66F8}" type="datetime1">
               <a:rPr lang="en-US" smtClean="0"/>
-              <a:t>6/11/18</a:t>
+              <a:t>5/29/23</a:t>
             </a:fld>
             <a:endParaRPr lang="en-US"/>
           </a:p>
@@ -1906,7 +1907,7 @@
           <a:p>
             <a:r>
               <a:rPr lang="en-US"/>
-              <a:t>© 2018, FLL Tutorials, Last Edit 6/11/2018</a:t>
+              <a:t>© 2023, FLLTutorials.com, Last Edit 5/29/2023</a:t>
             </a:r>
           </a:p>
         </p:txBody>
@@ -2097,9 +2098,9 @@
           <a:bodyPr/>
           <a:lstStyle/>
           <a:p>
-            <a:fld id="{A0730E81-16A6-46CB-A8EB-1A9456DEC5CE}" type="datetime1">
+            <a:fld id="{F5E91B42-58EB-8F42-B33A-5228BDE9D54A}" type="datetime1">
               <a:rPr lang="en-US" smtClean="0"/>
-              <a:t>6/11/18</a:t>
+              <a:t>5/29/23</a:t>
             </a:fld>
             <a:endParaRPr lang="en-US"/>
           </a:p>
@@ -2127,7 +2128,7 @@
           <a:p>
             <a:r>
               <a:rPr lang="en-US"/>
-              <a:t>© 2018, FLL Tutorials, Last Edit 6/11/2018</a:t>
+              <a:t>© 2023, FLLTutorials.com, Last Edit 5/29/2023</a:t>
             </a:r>
           </a:p>
         </p:txBody>
@@ -2317,7 +2318,7 @@
           <a:noFill/>
           <a:extLst>
             <a:ext uri="{909E8E84-426E-40dd-AFC4-6F175D3DCCD1}">
-              <a14:hiddenFill xmlns="" xmlns:a14="http://schemas.microsoft.com/office/drawing/2010/main">
+              <a14:hiddenFill xmlns:a14="http://schemas.microsoft.com/office/drawing/2010/main" xmlns="">
                 <a:solidFill>
                   <a:srgbClr val="FFFFFF"/>
                 </a:solidFill>
@@ -2941,9 +2942,9 @@
           <a:bodyPr/>
           <a:lstStyle/>
           <a:p>
-            <a:fld id="{D5A827D1-B895-4AFF-8FEA-EE267A2F9BCB}" type="datetime1">
+            <a:fld id="{5F537FA4-EF4D-D547-8757-69163596933F}" type="datetime1">
               <a:rPr lang="en-US" smtClean="0"/>
-              <a:t>6/11/18</a:t>
+              <a:t>5/29/23</a:t>
             </a:fld>
             <a:endParaRPr lang="en-US"/>
           </a:p>
@@ -2966,7 +2967,7 @@
           <a:p>
             <a:r>
               <a:rPr lang="en-US"/>
-              <a:t>© 2018, FLL Tutorials, Last Edit 6/11/2018</a:t>
+              <a:t>© 2023, FLLTutorials.com, Last Edit 5/29/2023</a:t>
             </a:r>
           </a:p>
         </p:txBody>
@@ -3206,9 +3207,9 @@
           <a:bodyPr/>
           <a:lstStyle/>
           <a:p>
-            <a:fld id="{82D23286-B920-4115-B877-2974AB0586F5}" type="datetime1">
+            <a:fld id="{C29EED4D-9203-FA4A-B94B-11EA362E5528}" type="datetime1">
               <a:rPr lang="en-US" smtClean="0"/>
-              <a:t>6/11/18</a:t>
+              <a:t>5/29/23</a:t>
             </a:fld>
             <a:endParaRPr lang="en-US"/>
           </a:p>
@@ -3262,7 +3263,7 @@
           <a:p>
             <a:r>
               <a:rPr lang="en-US"/>
-              <a:t>© 2018, FLL Tutorials, Last Edit 6/11/2018</a:t>
+              <a:t>© 2023, FLLTutorials.com, Last Edit 5/29/2023</a:t>
             </a:r>
           </a:p>
         </p:txBody>
@@ -3509,9 +3510,9 @@
           <a:bodyPr/>
           <a:lstStyle/>
           <a:p>
-            <a:fld id="{DA0E8A9B-447C-4A3A-923B-4A2A656885A6}" type="datetime1">
+            <a:fld id="{DE8CD870-9579-1B42-A51B-353F015666E7}" type="datetime1">
               <a:rPr lang="en-US" smtClean="0"/>
-              <a:t>6/11/18</a:t>
+              <a:t>5/29/23</a:t>
             </a:fld>
             <a:endParaRPr lang="en-US"/>
           </a:p>
@@ -3534,7 +3535,7 @@
           <a:p>
             <a:r>
               <a:rPr lang="en-US"/>
-              <a:t>© 2018, FLL Tutorials, Last Edit 6/11/2018</a:t>
+              <a:t>© 2023, FLLTutorials.com, Last Edit 5/29/2023</a:t>
             </a:r>
           </a:p>
         </p:txBody>
@@ -3963,9 +3964,9 @@
           <a:bodyPr/>
           <a:lstStyle/>
           <a:p>
-            <a:fld id="{9A16F84F-80B7-4547-AB3F-474D04E9605D}" type="datetime1">
+            <a:fld id="{43F5733C-4985-0743-87A3-B8099B0F13DE}" type="datetime1">
               <a:rPr lang="en-US" smtClean="0"/>
-              <a:t>6/11/18</a:t>
+              <a:t>5/29/23</a:t>
             </a:fld>
             <a:endParaRPr lang="en-US"/>
           </a:p>
@@ -3988,7 +3989,7 @@
           <a:p>
             <a:r>
               <a:rPr lang="en-US"/>
-              <a:t>© 2018, FLL Tutorials, Last Edit 6/11/2018</a:t>
+              <a:t>© 2023, FLLTutorials.com, Last Edit 5/29/2023</a:t>
             </a:r>
           </a:p>
         </p:txBody>
@@ -4091,9 +4092,9 @@
           <a:bodyPr/>
           <a:lstStyle/>
           <a:p>
-            <a:fld id="{E595C97C-B569-4DEC-B27F-BD7F98A32101}" type="datetime1">
+            <a:fld id="{2F72373B-3DC1-D74B-A7D3-0FCB2791BAE6}" type="datetime1">
               <a:rPr lang="en-US" smtClean="0"/>
-              <a:t>6/11/18</a:t>
+              <a:t>5/29/23</a:t>
             </a:fld>
             <a:endParaRPr lang="en-US"/>
           </a:p>
@@ -4116,7 +4117,7 @@
           <a:p>
             <a:r>
               <a:rPr lang="en-US"/>
-              <a:t>© 2018, FLL Tutorials, Last Edit 6/11/2018</a:t>
+              <a:t>© 2023, FLLTutorials.com, Last Edit 5/29/2023</a:t>
             </a:r>
           </a:p>
         </p:txBody>
@@ -4197,9 +4198,9 @@
           <a:bodyPr/>
           <a:lstStyle/>
           <a:p>
-            <a:fld id="{35F941CC-9C7A-4F6C-B741-F65327180A16}" type="datetime1">
+            <a:fld id="{C2425265-339A-8840-8738-58FA39B61851}" type="datetime1">
               <a:rPr lang="en-US" smtClean="0"/>
-              <a:t>6/11/18</a:t>
+              <a:t>5/29/23</a:t>
             </a:fld>
             <a:endParaRPr lang="en-US"/>
           </a:p>
@@ -4222,7 +4223,7 @@
           <a:p>
             <a:r>
               <a:rPr lang="en-US"/>
-              <a:t>© 2018, FLL Tutorials, Last Edit 6/11/2018</a:t>
+              <a:t>© 2023, FLLTutorials.com, Last Edit 5/29/2023</a:t>
             </a:r>
           </a:p>
         </p:txBody>
@@ -4455,9 +4456,9 @@
           <a:bodyPr/>
           <a:lstStyle/>
           <a:p>
-            <a:fld id="{C278163C-94BB-495B-BDD9-483587933B92}" type="datetime1">
+            <a:fld id="{CA1AD893-ECC0-3340-8027-0E2C6B761DF5}" type="datetime1">
               <a:rPr lang="en-US" smtClean="0"/>
-              <a:t>6/11/18</a:t>
+              <a:t>5/29/23</a:t>
             </a:fld>
             <a:endParaRPr lang="en-US"/>
           </a:p>
@@ -4480,7 +4481,7 @@
           <a:p>
             <a:r>
               <a:rPr lang="en-US"/>
-              <a:t>© 2018, FLL Tutorials, Last Edit 6/11/2018</a:t>
+              <a:t>© 2023, FLLTutorials.com, Last Edit 5/29/2023</a:t>
             </a:r>
           </a:p>
         </p:txBody>
@@ -4667,9 +4668,9 @@
           <a:bodyPr/>
           <a:lstStyle/>
           <a:p>
-            <a:fld id="{BF8B6929-A1DD-4CB2-87D5-3F52D2D9B487}" type="datetime1">
+            <a:fld id="{A109F83F-409C-8648-9FCD-760604CE46CF}" type="datetime1">
               <a:rPr lang="en-US" smtClean="0"/>
-              <a:t>6/11/18</a:t>
+              <a:t>5/29/23</a:t>
             </a:fld>
             <a:endParaRPr lang="en-US"/>
           </a:p>
@@ -4692,7 +4693,7 @@
           <a:p>
             <a:r>
               <a:rPr lang="en-US"/>
-              <a:t>© 2018, FLL Tutorials, Last Edit 6/11/2018</a:t>
+              <a:t>© 2023, FLLTutorials.com, Last Edit 5/29/2023</a:t>
             </a:r>
           </a:p>
         </p:txBody>
@@ -4950,9 +4951,9 @@
           <a:bodyPr/>
           <a:lstStyle/>
           <a:p>
-            <a:fld id="{BE2E2479-3B97-48BF-9829-5846D10C360A}" type="datetime1">
+            <a:fld id="{8DD45EE6-B1CD-DE47-882A-796B766CDA76}" type="datetime1">
               <a:rPr lang="en-US" smtClean="0"/>
-              <a:t>6/11/18</a:t>
+              <a:t>5/29/23</a:t>
             </a:fld>
             <a:endParaRPr lang="en-US"/>
           </a:p>
@@ -4975,7 +4976,7 @@
           <a:p>
             <a:r>
               <a:rPr lang="en-US"/>
-              <a:t>© 2018, FLL Tutorials, Last Edit 6/11/2018</a:t>
+              <a:t>© 2023, FLLTutorials.com, Last Edit 5/29/2023</a:t>
             </a:r>
           </a:p>
         </p:txBody>
@@ -5217,9 +5218,9 @@
           <a:bodyPr/>
           <a:lstStyle/>
           <a:p>
-            <a:fld id="{BFF9849B-15F2-4F40-AE9A-10B0A18A0CEB}" type="datetime1">
+            <a:fld id="{FC60E042-01A5-7F47-A988-2A750F1582B1}" type="datetime1">
               <a:rPr lang="en-US" smtClean="0"/>
-              <a:t>6/11/18</a:t>
+              <a:t>5/29/23</a:t>
             </a:fld>
             <a:endParaRPr lang="en-US"/>
           </a:p>
@@ -5242,7 +5243,7 @@
           <a:p>
             <a:r>
               <a:rPr lang="en-US"/>
-              <a:t>© 2018, FLL Tutorials, Last Edit 6/11/2018</a:t>
+              <a:t>© 2023, FLLTutorials.com, Last Edit 5/29/2023</a:t>
             </a:r>
           </a:p>
         </p:txBody>
@@ -5406,9 +5407,9 @@
           <a:bodyPr/>
           <a:lstStyle/>
           <a:p>
-            <a:fld id="{08E016C3-9C81-4AF6-898E-F5F14AC34616}" type="datetime1">
+            <a:fld id="{0B55630B-7B46-2F4D-B467-19DEF4F75057}" type="datetime1">
               <a:rPr lang="en-US" smtClean="0"/>
-              <a:t>6/11/18</a:t>
+              <a:t>5/29/23</a:t>
             </a:fld>
             <a:endParaRPr lang="en-US"/>
           </a:p>
@@ -5431,7 +5432,7 @@
           <a:p>
             <a:r>
               <a:rPr lang="en-US"/>
-              <a:t>© 2018, FLL Tutorials, Last Edit 6/11/2018</a:t>
+              <a:t>© 2023, FLLTutorials.com, Last Edit 5/29/2023</a:t>
             </a:r>
           </a:p>
         </p:txBody>
@@ -5607,9 +5608,9 @@
           <a:bodyPr/>
           <a:lstStyle/>
           <a:p>
-            <a:fld id="{2F335CD7-AE9A-4DB4-BB03-C35DE9EA5967}" type="datetime1">
+            <a:fld id="{0CA13200-73D4-8E4E-B41B-A71B8B9A01F8}" type="datetime1">
               <a:rPr lang="en-US" smtClean="0"/>
-              <a:t>6/11/18</a:t>
+              <a:t>5/29/23</a:t>
             </a:fld>
             <a:endParaRPr lang="en-US"/>
           </a:p>
@@ -5632,7 +5633,7 @@
           <a:p>
             <a:r>
               <a:rPr lang="en-US"/>
-              <a:t>© 2018, FLL Tutorials, Last Edit 6/11/2018</a:t>
+              <a:t>© 2023, FLLTutorials.com, Last Edit 5/29/2023</a:t>
             </a:r>
           </a:p>
         </p:txBody>
@@ -5778,9 +5779,9 @@
           <a:bodyPr/>
           <a:lstStyle/>
           <a:p>
-            <a:fld id="{26894199-3B74-44F7-A81E-AA6576802831}" type="datetime1">
+            <a:fld id="{5DDDCF19-DD1B-C14D-BF36-7695B1763523}" type="datetime1">
               <a:rPr lang="en-US" smtClean="0"/>
-              <a:t>6/11/18</a:t>
+              <a:t>5/29/23</a:t>
             </a:fld>
             <a:endParaRPr lang="en-US"/>
           </a:p>
@@ -5803,7 +5804,7 @@
           <a:p>
             <a:r>
               <a:rPr lang="en-US"/>
-              <a:t>© 2018, FLL Tutorials, Last Edit 6/11/2018</a:t>
+              <a:t>© 2023, FLLTutorials.com, Last Edit 5/29/2023</a:t>
             </a:r>
           </a:p>
         </p:txBody>
@@ -6026,9 +6027,9 @@
           <a:bodyPr/>
           <a:lstStyle/>
           <a:p>
-            <a:fld id="{16C23E49-EC36-4BBC-B7B4-725D4531EF95}" type="datetime1">
+            <a:fld id="{F6E5CE0B-50E4-3343-A8E5-5CE3C12DFAB6}" type="datetime1">
               <a:rPr lang="en-US" smtClean="0"/>
-              <a:t>6/11/18</a:t>
+              <a:t>5/29/23</a:t>
             </a:fld>
             <a:endParaRPr lang="en-US"/>
           </a:p>
@@ -6051,7 +6052,7 @@
           <a:p>
             <a:r>
               <a:rPr lang="en-US"/>
-              <a:t>© 2018, FLL Tutorials, Last Edit 6/11/2018</a:t>
+              <a:t>© 2023, FLLTutorials.com, Last Edit 5/29/2023</a:t>
             </a:r>
           </a:p>
         </p:txBody>
@@ -6258,9 +6259,9 @@
           <a:bodyPr/>
           <a:lstStyle/>
           <a:p>
-            <a:fld id="{E9A1F895-5F5D-4279-8B6A-A8965EA2B012}" type="datetime1">
+            <a:fld id="{4AEF9026-696E-694C-906B-39822606B879}" type="datetime1">
               <a:rPr lang="en-US" smtClean="0"/>
-              <a:t>6/11/18</a:t>
+              <a:t>5/29/23</a:t>
             </a:fld>
             <a:endParaRPr lang="en-US"/>
           </a:p>
@@ -6283,7 +6284,7 @@
           <a:p>
             <a:r>
               <a:rPr lang="en-US"/>
-              <a:t>© 2018, FLL Tutorials, Last Edit 6/11/2018</a:t>
+              <a:t>© 2023, FLLTutorials.com, Last Edit 5/29/2023</a:t>
             </a:r>
           </a:p>
         </p:txBody>
@@ -6625,9 +6626,9 @@
           <a:bodyPr/>
           <a:lstStyle/>
           <a:p>
-            <a:fld id="{B942E000-2BFC-4B43-9E3E-62F2BDA29DB3}" type="datetime1">
+            <a:fld id="{76592A1D-BED1-8D45-A406-A9846B6BEF4A}" type="datetime1">
               <a:rPr lang="en-US" smtClean="0"/>
-              <a:t>6/11/18</a:t>
+              <a:t>5/29/23</a:t>
             </a:fld>
             <a:endParaRPr lang="en-US"/>
           </a:p>
@@ -6650,7 +6651,7 @@
           <a:p>
             <a:r>
               <a:rPr lang="en-US"/>
-              <a:t>© 2018, FLL Tutorials, Last Edit 6/11/2018</a:t>
+              <a:t>© 2023, FLLTutorials.com, Last Edit 5/29/2023</a:t>
             </a:r>
           </a:p>
         </p:txBody>
@@ -6745,9 +6746,9 @@
           <a:bodyPr/>
           <a:lstStyle/>
           <a:p>
-            <a:fld id="{F09DBC8A-B237-421C-8B9D-C495763A0FEE}" type="datetime1">
+            <a:fld id="{27080CE2-0B6F-7D45-AF7B-3A83A0F8ABF0}" type="datetime1">
               <a:rPr lang="en-US" smtClean="0"/>
-              <a:t>6/11/18</a:t>
+              <a:t>5/29/23</a:t>
             </a:fld>
             <a:endParaRPr lang="en-US"/>
           </a:p>
@@ -6770,7 +6771,7 @@
           <a:p>
             <a:r>
               <a:rPr lang="en-US"/>
-              <a:t>© 2018, FLL Tutorials, Last Edit 6/11/2018</a:t>
+              <a:t>© 2023, FLLTutorials.com, Last Edit 5/29/2023</a:t>
             </a:r>
           </a:p>
         </p:txBody>
@@ -6843,9 +6844,9 @@
           <a:bodyPr/>
           <a:lstStyle/>
           <a:p>
-            <a:fld id="{75D751F8-E51E-4C5A-9101-65DE3E39341C}" type="datetime1">
+            <a:fld id="{64895477-0061-3C44-A7AE-03167354FC9D}" type="datetime1">
               <a:rPr lang="en-US" smtClean="0"/>
-              <a:t>6/11/18</a:t>
+              <a:t>5/29/23</a:t>
             </a:fld>
             <a:endParaRPr lang="en-US"/>
           </a:p>
@@ -6868,7 +6869,7 @@
           <a:p>
             <a:r>
               <a:rPr lang="en-US"/>
-              <a:t>© 2018, FLL Tutorials, Last Edit 6/11/2018</a:t>
+              <a:t>© 2023, FLLTutorials.com, Last Edit 5/29/2023</a:t>
             </a:r>
           </a:p>
         </p:txBody>
@@ -7100,9 +7101,9 @@
           <a:bodyPr/>
           <a:lstStyle/>
           <a:p>
-            <a:fld id="{241A92BE-2197-4ADA-9040-B971F8C8DC11}" type="datetime1">
+            <a:fld id="{1E42959C-53AA-684A-8B2B-FD8D7E757F02}" type="datetime1">
               <a:rPr lang="en-US" smtClean="0"/>
-              <a:t>6/11/18</a:t>
+              <a:t>5/29/23</a:t>
             </a:fld>
             <a:endParaRPr lang="en-US"/>
           </a:p>
@@ -7148,7 +7149,7 @@
           <a:p>
             <a:r>
               <a:rPr lang="en-US"/>
-              <a:t>© 2018, FLL Tutorials, Last Edit 6/11/2018</a:t>
+              <a:t>© 2023, FLLTutorials.com, Last Edit 5/29/2023</a:t>
             </a:r>
           </a:p>
         </p:txBody>
@@ -7378,9 +7379,9 @@
           <a:bodyPr/>
           <a:lstStyle/>
           <a:p>
-            <a:fld id="{9A110B18-9577-4AC2-B0BD-FC77585FB335}" type="datetime1">
+            <a:fld id="{4E5ACA66-9AAE-C949-914C-8FC6C3F1680D}" type="datetime1">
               <a:rPr lang="en-US" smtClean="0"/>
-              <a:t>6/11/18</a:t>
+              <a:t>5/29/23</a:t>
             </a:fld>
             <a:endParaRPr lang="en-US"/>
           </a:p>
@@ -7403,7 +7404,7 @@
           <a:p>
             <a:r>
               <a:rPr lang="en-US"/>
-              <a:t>© 2018, FLL Tutorials, Last Edit 6/11/2018</a:t>
+              <a:t>© 2023, FLLTutorials.com, Last Edit 5/29/2023</a:t>
             </a:r>
           </a:p>
         </p:txBody>
@@ -7636,9 +7637,9 @@
           <a:bodyPr/>
           <a:lstStyle/>
           <a:p>
-            <a:fld id="{19843789-23B6-448D-88D5-6A0091A3B9C0}" type="datetime1">
+            <a:fld id="{59527FBD-2549-BB40-B180-15272844CA8B}" type="datetime1">
               <a:rPr lang="en-US" smtClean="0"/>
-              <a:t>6/11/18</a:t>
+              <a:t>5/29/23</a:t>
             </a:fld>
             <a:endParaRPr lang="en-US"/>
           </a:p>
@@ -7661,7 +7662,7 @@
           <a:p>
             <a:r>
               <a:rPr lang="en-US"/>
-              <a:t>© 2018, FLL Tutorials, Last Edit 6/11/2018</a:t>
+              <a:t>© 2023, FLLTutorials.com, Last Edit 5/29/2023</a:t>
             </a:r>
           </a:p>
         </p:txBody>
@@ -7807,9 +7808,9 @@
           <a:bodyPr/>
           <a:lstStyle/>
           <a:p>
-            <a:fld id="{49FC6016-28A4-4B4A-94D6-2BF928A80BD1}" type="datetime1">
+            <a:fld id="{DAB3C192-204A-6045-B55E-A21BE6A4010E}" type="datetime1">
               <a:rPr lang="en-US" smtClean="0"/>
-              <a:t>6/11/18</a:t>
+              <a:t>5/29/23</a:t>
             </a:fld>
             <a:endParaRPr lang="en-US"/>
           </a:p>
@@ -7832,7 +7833,7 @@
           <a:p>
             <a:r>
               <a:rPr lang="en-US"/>
-              <a:t>© 2018, FLL Tutorials, Last Edit 6/11/2018</a:t>
+              <a:t>© 2023, FLLTutorials.com, Last Edit 5/29/2023</a:t>
             </a:r>
           </a:p>
         </p:txBody>
@@ -7988,9 +7989,9 @@
           <a:bodyPr/>
           <a:lstStyle/>
           <a:p>
-            <a:fld id="{6CFC8C0A-B2C6-4940-943D-A67AF3C51A78}" type="datetime1">
+            <a:fld id="{0F6E24F1-F461-D84B-A858-DDBBD4A0B090}" type="datetime1">
               <a:rPr lang="en-US" smtClean="0"/>
-              <a:t>6/11/18</a:t>
+              <a:t>5/29/23</a:t>
             </a:fld>
             <a:endParaRPr lang="en-US"/>
           </a:p>
@@ -8013,7 +8014,7 @@
           <a:p>
             <a:r>
               <a:rPr lang="en-US"/>
-              <a:t>© 2018, FLL Tutorials, Last Edit 6/11/2018</a:t>
+              <a:t>© 2023, FLLTutorials.com, Last Edit 5/29/2023</a:t>
             </a:r>
           </a:p>
         </p:txBody>
@@ -8245,9 +8246,9 @@
           <a:bodyPr/>
           <a:lstStyle/>
           <a:p>
-            <a:fld id="{5B9D6559-1D90-4C4B-BC1A-70EFD06B4AB3}" type="datetime1">
+            <a:fld id="{D72D5AB7-D8AB-7A41-A7E5-4AB1AA8CF47E}" type="datetime1">
               <a:rPr lang="en-US" smtClean="0"/>
-              <a:t>6/11/18</a:t>
+              <a:t>5/29/23</a:t>
             </a:fld>
             <a:endParaRPr lang="en-US"/>
           </a:p>
@@ -8270,7 +8271,7 @@
           <a:p>
             <a:r>
               <a:rPr lang="en-US"/>
-              <a:t>© 2018, FLL Tutorials, Last Edit 6/11/2018</a:t>
+              <a:t>© 2023, FLLTutorials.com, Last Edit 5/29/2023</a:t>
             </a:r>
           </a:p>
         </p:txBody>
@@ -9269,9 +9270,9 @@
           <a:bodyPr/>
           <a:lstStyle/>
           <a:p>
-            <a:fld id="{6901B49D-1E4F-4B1B-A515-5CC50C70F85A}" type="datetime1">
+            <a:fld id="{0CE7DFD1-93BA-5B4F-ABA9-79F248B079B0}" type="datetime1">
               <a:rPr lang="en-US" smtClean="0"/>
-              <a:t>6/11/18</a:t>
+              <a:t>5/29/23</a:t>
             </a:fld>
             <a:endParaRPr lang="en-US"/>
           </a:p>
@@ -9294,7 +9295,7 @@
           <a:p>
             <a:r>
               <a:rPr lang="en-US"/>
-              <a:t>© 2018, FLL Tutorials, Last Edit 6/11/2018</a:t>
+              <a:t>© 2023, FLLTutorials.com, Last Edit 5/29/2023</a:t>
             </a:r>
           </a:p>
         </p:txBody>
@@ -9531,9 +9532,9 @@
           <a:bodyPr/>
           <a:lstStyle/>
           <a:p>
-            <a:fld id="{392B34BD-90EF-4DB1-B8FD-707994DC3720}" type="datetime1">
+            <a:fld id="{C779EC52-6C83-3C41-A638-895622464C62}" type="datetime1">
               <a:rPr lang="en-US" smtClean="0"/>
-              <a:t>6/11/18</a:t>
+              <a:t>5/29/23</a:t>
             </a:fld>
             <a:endParaRPr lang="en-US"/>
           </a:p>
@@ -9579,7 +9580,7 @@
           <a:p>
             <a:r>
               <a:rPr lang="en-US"/>
-              <a:t>© 2018, FLL Tutorials, Last Edit 6/11/2018</a:t>
+              <a:t>© 2023, FLLTutorials.com, Last Edit 5/29/2023</a:t>
             </a:r>
           </a:p>
         </p:txBody>
@@ -9826,9 +9827,9 @@
           <a:bodyPr/>
           <a:lstStyle/>
           <a:p>
-            <a:fld id="{C64A6779-4F11-41CE-8D84-767FFCBF09AE}" type="datetime1">
+            <a:fld id="{BC33D84C-5900-7740-A7EF-59773FF7FFBB}" type="datetime1">
               <a:rPr lang="en-US" smtClean="0"/>
-              <a:t>6/11/18</a:t>
+              <a:t>5/29/23</a:t>
             </a:fld>
             <a:endParaRPr lang="en-US"/>
           </a:p>
@@ -9851,7 +9852,7 @@
           <a:p>
             <a:r>
               <a:rPr lang="en-US"/>
-              <a:t>© 2018, FLL Tutorials, Last Edit 6/11/2018</a:t>
+              <a:t>© 2023, FLLTutorials.com, Last Edit 5/29/2023</a:t>
             </a:r>
           </a:p>
         </p:txBody>
@@ -10272,9 +10273,9 @@
           <a:bodyPr/>
           <a:lstStyle/>
           <a:p>
-            <a:fld id="{51081FCE-C929-4BB9-879F-9338D8C50E24}" type="datetime1">
+            <a:fld id="{33C1F99E-848A-3B46-9DE7-C9A011BBD9BA}" type="datetime1">
               <a:rPr lang="en-US" smtClean="0"/>
-              <a:t>6/11/18</a:t>
+              <a:t>5/29/23</a:t>
             </a:fld>
             <a:endParaRPr lang="en-US"/>
           </a:p>
@@ -10297,7 +10298,7 @@
           <a:p>
             <a:r>
               <a:rPr lang="en-US"/>
-              <a:t>© 2018, FLL Tutorials, Last Edit 6/11/2018</a:t>
+              <a:t>© 2023, FLLTutorials.com, Last Edit 5/29/2023</a:t>
             </a:r>
           </a:p>
         </p:txBody>
@@ -10392,9 +10393,9 @@
           <a:bodyPr/>
           <a:lstStyle/>
           <a:p>
-            <a:fld id="{19BD00DF-7722-40B2-B42D-AD63AD82164E}" type="datetime1">
+            <a:fld id="{6DBC40B0-2085-C444-A162-F5E12F352E6E}" type="datetime1">
               <a:rPr lang="en-US" smtClean="0"/>
-              <a:t>6/11/18</a:t>
+              <a:t>5/29/23</a:t>
             </a:fld>
             <a:endParaRPr lang="en-US"/>
           </a:p>
@@ -10417,7 +10418,7 @@
           <a:p>
             <a:r>
               <a:rPr lang="en-US"/>
-              <a:t>© 2018, FLL Tutorials, Last Edit 6/11/2018</a:t>
+              <a:t>© 2023, FLLTutorials.com, Last Edit 5/29/2023</a:t>
             </a:r>
           </a:p>
         </p:txBody>
@@ -10686,9 +10687,9 @@
           <a:bodyPr/>
           <a:lstStyle/>
           <a:p>
-            <a:fld id="{E1308923-C65F-4CA7-B573-42EBDBDF11F5}" type="datetime1">
+            <a:fld id="{8D86FAB0-7595-9848-81FE-7058E4870880}" type="datetime1">
               <a:rPr lang="en-US" smtClean="0"/>
-              <a:t>6/11/18</a:t>
+              <a:t>5/29/23</a:t>
             </a:fld>
             <a:endParaRPr lang="en-US"/>
           </a:p>
@@ -10711,7 +10712,7 @@
           <a:p>
             <a:r>
               <a:rPr lang="en-US"/>
-              <a:t>© 2018, FLL Tutorials, Last Edit 6/11/2018</a:t>
+              <a:t>© 2023, FLLTutorials.com, Last Edit 5/29/2023</a:t>
             </a:r>
           </a:p>
         </p:txBody>
@@ -10784,9 +10785,9 @@
           <a:bodyPr/>
           <a:lstStyle/>
           <a:p>
-            <a:fld id="{39C7073D-6179-4223-86EE-945A524EF360}" type="datetime1">
+            <a:fld id="{BF491C93-5005-E048-A42F-27F96D000875}" type="datetime1">
               <a:rPr lang="en-US" smtClean="0"/>
-              <a:t>6/11/18</a:t>
+              <a:t>5/29/23</a:t>
             </a:fld>
             <a:endParaRPr lang="en-US"/>
           </a:p>
@@ -10809,7 +10810,7 @@
           <a:p>
             <a:r>
               <a:rPr lang="en-US"/>
-              <a:t>© 2018, FLL Tutorials, Last Edit 6/11/2018</a:t>
+              <a:t>© 2023, FLLTutorials.com, Last Edit 5/29/2023</a:t>
             </a:r>
           </a:p>
         </p:txBody>
@@ -11034,9 +11035,9 @@
           <a:bodyPr/>
           <a:lstStyle/>
           <a:p>
-            <a:fld id="{47BA525F-787C-4556-AF50-96F2BD6CF813}" type="datetime1">
+            <a:fld id="{248CD8F8-5A2D-2245-84A7-7DBBF80DAE25}" type="datetime1">
               <a:rPr lang="en-US" smtClean="0"/>
-              <a:t>6/11/18</a:t>
+              <a:t>5/29/23</a:t>
             </a:fld>
             <a:endParaRPr lang="en-US"/>
           </a:p>
@@ -11059,7 +11060,7 @@
           <a:p>
             <a:r>
               <a:rPr lang="en-US"/>
-              <a:t>© 2018, FLL Tutorials, Last Edit 6/11/2018</a:t>
+              <a:t>© 2023, FLLTutorials.com, Last Edit 5/29/2023</a:t>
             </a:r>
           </a:p>
         </p:txBody>
@@ -11334,9 +11335,9 @@
           <a:bodyPr/>
           <a:lstStyle/>
           <a:p>
-            <a:fld id="{7DD16CF6-4E8C-41F3-80D8-605A0146D12D}" type="datetime1">
+            <a:fld id="{2D828FD5-E814-B146-9F13-6F0E75CEA43B}" type="datetime1">
               <a:rPr lang="en-US" smtClean="0"/>
-              <a:t>6/11/18</a:t>
+              <a:t>5/29/23</a:t>
             </a:fld>
             <a:endParaRPr lang="en-US"/>
           </a:p>
@@ -11359,7 +11360,7 @@
           <a:p>
             <a:r>
               <a:rPr lang="en-US"/>
-              <a:t>© 2018, FLL Tutorials, Last Edit 6/11/2018</a:t>
+              <a:t>© 2023, FLLTutorials.com, Last Edit 5/29/2023</a:t>
             </a:r>
           </a:p>
         </p:txBody>
@@ -11593,9 +11594,9 @@
           <a:bodyPr/>
           <a:lstStyle/>
           <a:p>
-            <a:fld id="{A0FCD6A1-8DC5-444B-8E28-4F40286E4341}" type="datetime1">
+            <a:fld id="{B2EC4717-A916-5840-94E1-5D0890CBEDF6}" type="datetime1">
               <a:rPr lang="en-US" smtClean="0"/>
-              <a:t>6/11/18</a:t>
+              <a:t>5/29/23</a:t>
             </a:fld>
             <a:endParaRPr lang="en-US"/>
           </a:p>
@@ -11618,7 +11619,7 @@
           <a:p>
             <a:r>
               <a:rPr lang="en-US"/>
-              <a:t>© 2018, FLL Tutorials, Last Edit 6/11/2018</a:t>
+              <a:t>© 2023, FLLTutorials.com, Last Edit 5/29/2023</a:t>
             </a:r>
           </a:p>
         </p:txBody>
@@ -11774,9 +11775,9 @@
           <a:bodyPr/>
           <a:lstStyle/>
           <a:p>
-            <a:fld id="{2F91D227-7EAB-4996-919C-EE76CD731BD3}" type="datetime1">
+            <a:fld id="{0DBA49F7-2568-9E49-8008-F8D95F245393}" type="datetime1">
               <a:rPr lang="en-US" smtClean="0"/>
-              <a:t>6/11/18</a:t>
+              <a:t>5/29/23</a:t>
             </a:fld>
             <a:endParaRPr lang="en-US"/>
           </a:p>
@@ -11799,7 +11800,7 @@
           <a:p>
             <a:r>
               <a:rPr lang="en-US"/>
-              <a:t>© 2018, FLL Tutorials, Last Edit 6/11/2018</a:t>
+              <a:t>© 2023, FLLTutorials.com, Last Edit 5/29/2023</a:t>
             </a:r>
           </a:p>
         </p:txBody>
@@ -11990,9 +11991,9 @@
           <a:bodyPr/>
           <a:lstStyle/>
           <a:p>
-            <a:fld id="{A75210CE-EF9B-4ECF-9214-719943E1CC4B}" type="datetime1">
+            <a:fld id="{64248D03-71D2-FF4E-B31D-50B1E962DF6A}" type="datetime1">
               <a:rPr lang="en-US" smtClean="0"/>
-              <a:t>6/11/18</a:t>
+              <a:t>5/29/23</a:t>
             </a:fld>
             <a:endParaRPr lang="en-US"/>
           </a:p>
@@ -12020,7 +12021,7 @@
           <a:p>
             <a:r>
               <a:rPr lang="en-US"/>
-              <a:t>© 2018, FLL Tutorials, Last Edit 6/11/2018</a:t>
+              <a:t>© 2023, FLLTutorials.com, Last Edit 5/29/2023</a:t>
             </a:r>
           </a:p>
         </p:txBody>
@@ -13246,9 +13247,9 @@
           <a:bodyPr/>
           <a:lstStyle/>
           <a:p>
-            <a:fld id="{54B727CC-8303-4AEF-9936-133AD0CE7E61}" type="datetime1">
+            <a:fld id="{1CCB252F-E51C-9C42-A68B-3384BD59CD4A}" type="datetime1">
               <a:rPr lang="en-US" smtClean="0"/>
-              <a:t>6/11/18</a:t>
+              <a:t>5/29/23</a:t>
             </a:fld>
             <a:endParaRPr lang="en-US"/>
           </a:p>
@@ -13271,7 +13272,7 @@
           <a:p>
             <a:r>
               <a:rPr lang="en-US"/>
-              <a:t>© 2018, FLL Tutorials, Last Edit 6/11/2018</a:t>
+              <a:t>© 2023, FLLTutorials.com, Last Edit 5/29/2023</a:t>
             </a:r>
           </a:p>
         </p:txBody>
@@ -13511,9 +13512,9 @@
           <a:bodyPr/>
           <a:lstStyle/>
           <a:p>
-            <a:fld id="{286AAD2A-0EE3-47A2-97AC-17217C3CC803}" type="datetime1">
+            <a:fld id="{678E590B-EF66-F147-912B-516619FC3532}" type="datetime1">
               <a:rPr lang="en-US" smtClean="0"/>
-              <a:t>6/11/18</a:t>
+              <a:t>5/29/23</a:t>
             </a:fld>
             <a:endParaRPr lang="en-US"/>
           </a:p>
@@ -13567,7 +13568,7 @@
           <a:p>
             <a:r>
               <a:rPr lang="en-US"/>
-              <a:t>© 2018, FLL Tutorials, Last Edit 6/11/2018</a:t>
+              <a:t>© 2023, FLLTutorials.com, Last Edit 5/29/2023</a:t>
             </a:r>
           </a:p>
         </p:txBody>
@@ -13814,9 +13815,9 @@
           <a:bodyPr/>
           <a:lstStyle/>
           <a:p>
-            <a:fld id="{783555B5-CA28-4B55-929C-A9A6FE670BF2}" type="datetime1">
+            <a:fld id="{39D545FC-9DFA-0948-AB73-509B3A8B1283}" type="datetime1">
               <a:rPr lang="en-US" smtClean="0"/>
-              <a:t>6/11/18</a:t>
+              <a:t>5/29/23</a:t>
             </a:fld>
             <a:endParaRPr lang="en-US"/>
           </a:p>
@@ -13839,7 +13840,7 @@
           <a:p>
             <a:r>
               <a:rPr lang="en-US"/>
-              <a:t>© 2018, FLL Tutorials, Last Edit 6/11/2018</a:t>
+              <a:t>© 2023, FLLTutorials.com, Last Edit 5/29/2023</a:t>
             </a:r>
           </a:p>
         </p:txBody>
@@ -14268,9 +14269,9 @@
           <a:bodyPr/>
           <a:lstStyle/>
           <a:p>
-            <a:fld id="{21BDD9B5-B36D-4580-904C-CCFE15257AFA}" type="datetime1">
+            <a:fld id="{065BEFED-87C5-0F49-AD5B-FA371E6EAB3B}" type="datetime1">
               <a:rPr lang="en-US" smtClean="0"/>
-              <a:t>6/11/18</a:t>
+              <a:t>5/29/23</a:t>
             </a:fld>
             <a:endParaRPr lang="en-US"/>
           </a:p>
@@ -14293,7 +14294,7 @@
           <a:p>
             <a:r>
               <a:rPr lang="en-US"/>
-              <a:t>© 2018, FLL Tutorials, Last Edit 6/11/2018</a:t>
+              <a:t>© 2023, FLLTutorials.com, Last Edit 5/29/2023</a:t>
             </a:r>
           </a:p>
         </p:txBody>
@@ -14722,9 +14723,9 @@
           <a:bodyPr/>
           <a:lstStyle/>
           <a:p>
-            <a:fld id="{D1357081-37AC-4106-B1B9-7E671E7CE53D}" type="datetime1">
+            <a:fld id="{9443F622-67E1-1044-BB59-893D69466F8D}" type="datetime1">
               <a:rPr lang="en-US" smtClean="0"/>
-              <a:t>6/11/18</a:t>
+              <a:t>5/29/23</a:t>
             </a:fld>
             <a:endParaRPr lang="en-US"/>
           </a:p>
@@ -14747,7 +14748,7 @@
           <a:p>
             <a:r>
               <a:rPr lang="en-US"/>
-              <a:t>© 2018, FLL Tutorials, Last Edit 6/11/2018</a:t>
+              <a:t>© 2023, FLLTutorials.com, Last Edit 5/29/2023</a:t>
             </a:r>
           </a:p>
         </p:txBody>
@@ -14842,9 +14843,9 @@
           <a:bodyPr/>
           <a:lstStyle/>
           <a:p>
-            <a:fld id="{56CB7867-F7DC-4DCE-A393-FA0745C72969}" type="datetime1">
+            <a:fld id="{C36244C9-3E90-554A-B1CF-3D4A2054F9C2}" type="datetime1">
               <a:rPr lang="en-US" smtClean="0"/>
-              <a:t>6/11/18</a:t>
+              <a:t>5/29/23</a:t>
             </a:fld>
             <a:endParaRPr lang="en-US"/>
           </a:p>
@@ -14867,7 +14868,7 @@
           <a:p>
             <a:r>
               <a:rPr lang="en-US"/>
-              <a:t>© 2018, FLL Tutorials, Last Edit 6/11/2018</a:t>
+              <a:t>© 2023, FLLTutorials.com, Last Edit 5/29/2023</a:t>
             </a:r>
           </a:p>
         </p:txBody>
@@ -14948,9 +14949,9 @@
           <a:bodyPr/>
           <a:lstStyle/>
           <a:p>
-            <a:fld id="{D7DD916D-E078-4AF0-A541-706203D22E44}" type="datetime1">
+            <a:fld id="{A9751C70-23A4-D845-A432-DF4BDDF449E5}" type="datetime1">
               <a:rPr lang="en-US" smtClean="0"/>
-              <a:t>6/11/18</a:t>
+              <a:t>5/29/23</a:t>
             </a:fld>
             <a:endParaRPr lang="en-US"/>
           </a:p>
@@ -14973,7 +14974,7 @@
           <a:p>
             <a:r>
               <a:rPr lang="en-US"/>
-              <a:t>© 2018, FLL Tutorials, Last Edit 6/11/2018</a:t>
+              <a:t>© 2023, FLLTutorials.com, Last Edit 5/29/2023</a:t>
             </a:r>
           </a:p>
         </p:txBody>
@@ -15206,9 +15207,9 @@
           <a:bodyPr/>
           <a:lstStyle/>
           <a:p>
-            <a:fld id="{60F74120-D03D-4D8A-9F56-BE4125B94FD0}" type="datetime1">
+            <a:fld id="{F583F8B5-BE53-9B4C-9471-C7525FA93098}" type="datetime1">
               <a:rPr lang="en-US" smtClean="0"/>
-              <a:t>6/11/18</a:t>
+              <a:t>5/29/23</a:t>
             </a:fld>
             <a:endParaRPr lang="en-US"/>
           </a:p>
@@ -15231,7 +15232,7 @@
           <a:p>
             <a:r>
               <a:rPr lang="en-US"/>
-              <a:t>© 2018, FLL Tutorials, Last Edit 6/11/2018</a:t>
+              <a:t>© 2023, FLLTutorials.com, Last Edit 5/29/2023</a:t>
             </a:r>
           </a:p>
         </p:txBody>
@@ -15514,9 +15515,9 @@
           <a:bodyPr/>
           <a:lstStyle/>
           <a:p>
-            <a:fld id="{2D736358-4D82-4CB9-BAB1-C86F38CB04A1}" type="datetime1">
+            <a:fld id="{3CC0DAF5-DAF6-9841-B0EF-4CE53D3E4756}" type="datetime1">
               <a:rPr lang="en-US" smtClean="0"/>
-              <a:t>6/11/18</a:t>
+              <a:t>5/29/23</a:t>
             </a:fld>
             <a:endParaRPr lang="en-US"/>
           </a:p>
@@ -15539,7 +15540,7 @@
           <a:p>
             <a:r>
               <a:rPr lang="en-US"/>
-              <a:t>© 2018, FLL Tutorials, Last Edit 6/11/2018</a:t>
+              <a:t>© 2023, FLLTutorials.com, Last Edit 5/29/2023</a:t>
             </a:r>
           </a:p>
         </p:txBody>
@@ -15781,9 +15782,9 @@
           <a:bodyPr/>
           <a:lstStyle/>
           <a:p>
-            <a:fld id="{B561BB1A-A7B7-4A65-9A79-B633A912B4B1}" type="datetime1">
+            <a:fld id="{190FBA8F-A08F-AC46-95F7-954A53D41E20}" type="datetime1">
               <a:rPr lang="en-US" smtClean="0"/>
-              <a:t>6/11/18</a:t>
+              <a:t>5/29/23</a:t>
             </a:fld>
             <a:endParaRPr lang="en-US"/>
           </a:p>
@@ -15806,7 +15807,7 @@
           <a:p>
             <a:r>
               <a:rPr lang="en-US"/>
-              <a:t>© 2018, FLL Tutorials, Last Edit 6/11/2018</a:t>
+              <a:t>© 2023, FLLTutorials.com, Last Edit 5/29/2023</a:t>
             </a:r>
           </a:p>
         </p:txBody>
@@ -15970,9 +15971,9 @@
           <a:bodyPr/>
           <a:lstStyle/>
           <a:p>
-            <a:fld id="{328DEADD-8CCA-4E06-AE83-8FC9CAE5D469}" type="datetime1">
+            <a:fld id="{AFD209BB-0FFE-EA4E-B32A-E12ADA7F872D}" type="datetime1">
               <a:rPr lang="en-US" smtClean="0"/>
-              <a:t>6/11/18</a:t>
+              <a:t>5/29/23</a:t>
             </a:fld>
             <a:endParaRPr lang="en-US"/>
           </a:p>
@@ -15995,7 +15996,7 @@
           <a:p>
             <a:r>
               <a:rPr lang="en-US"/>
-              <a:t>© 2018, FLL Tutorials, Last Edit 6/11/2018</a:t>
+              <a:t>© 2023, FLLTutorials.com, Last Edit 5/29/2023</a:t>
             </a:r>
           </a:p>
         </p:txBody>
@@ -16171,9 +16172,9 @@
           <a:bodyPr/>
           <a:lstStyle/>
           <a:p>
-            <a:fld id="{389E0EB0-382B-4511-B04C-0485648D3216}" type="datetime1">
+            <a:fld id="{5CFEBD99-5D01-DB42-842F-CB282DE8651B}" type="datetime1">
               <a:rPr lang="en-US" smtClean="0"/>
-              <a:t>6/11/18</a:t>
+              <a:t>5/29/23</a:t>
             </a:fld>
             <a:endParaRPr lang="en-US"/>
           </a:p>
@@ -16196,7 +16197,7 @@
           <a:p>
             <a:r>
               <a:rPr lang="en-US"/>
-              <a:t>© 2018, FLL Tutorials, Last Edit 6/11/2018</a:t>
+              <a:t>© 2023, FLLTutorials.com, Last Edit 5/29/2023</a:t>
             </a:r>
           </a:p>
         </p:txBody>
@@ -16342,9 +16343,9 @@
           <a:bodyPr/>
           <a:lstStyle/>
           <a:p>
-            <a:fld id="{1056EDC1-9E1F-4C60-A3D2-E4D6F2B14869}" type="datetime1">
+            <a:fld id="{8A035922-5BF7-DD46-A2F5-7D041543A752}" type="datetime1">
               <a:rPr lang="en-US" smtClean="0"/>
-              <a:t>6/11/18</a:t>
+              <a:t>5/29/23</a:t>
             </a:fld>
             <a:endParaRPr lang="en-US"/>
           </a:p>
@@ -16367,7 +16368,7 @@
           <a:p>
             <a:r>
               <a:rPr lang="en-US"/>
-              <a:t>© 2018, FLL Tutorials, Last Edit 6/11/2018</a:t>
+              <a:t>© 2023, FLLTutorials.com, Last Edit 5/29/2023</a:t>
             </a:r>
           </a:p>
         </p:txBody>
@@ -16590,9 +16591,9 @@
           <a:bodyPr/>
           <a:lstStyle/>
           <a:p>
-            <a:fld id="{C545122C-7420-497C-A577-B19A66A4A851}" type="datetime1">
+            <a:fld id="{DFD60FFF-92D0-A34E-908D-98D69F67A05B}" type="datetime1">
               <a:rPr lang="en-US" smtClean="0"/>
-              <a:t>6/11/18</a:t>
+              <a:t>5/29/23</a:t>
             </a:fld>
             <a:endParaRPr lang="en-US"/>
           </a:p>
@@ -16615,7 +16616,7 @@
           <a:p>
             <a:r>
               <a:rPr lang="en-US"/>
-              <a:t>© 2018, FLL Tutorials, Last Edit 6/11/2018</a:t>
+              <a:t>© 2023, FLLTutorials.com, Last Edit 5/29/2023</a:t>
             </a:r>
           </a:p>
         </p:txBody>
@@ -16822,9 +16823,9 @@
           <a:bodyPr/>
           <a:lstStyle/>
           <a:p>
-            <a:fld id="{0F72EC71-77ED-4585-9B73-316B4B0DB8ED}" type="datetime1">
+            <a:fld id="{E7E88FC8-3B99-CF4B-BB8D-8F19DF9E1990}" type="datetime1">
               <a:rPr lang="en-US" smtClean="0"/>
-              <a:t>6/11/18</a:t>
+              <a:t>5/29/23</a:t>
             </a:fld>
             <a:endParaRPr lang="en-US"/>
           </a:p>
@@ -16847,7 +16848,7 @@
           <a:p>
             <a:r>
               <a:rPr lang="en-US"/>
-              <a:t>© 2018, FLL Tutorials, Last Edit 6/11/2018</a:t>
+              <a:t>© 2023, FLLTutorials.com, Last Edit 5/29/2023</a:t>
             </a:r>
           </a:p>
         </p:txBody>
@@ -16942,9 +16943,9 @@
           <a:bodyPr/>
           <a:lstStyle/>
           <a:p>
-            <a:fld id="{2AB62FC5-F4D9-4EBF-B193-F8542831CE37}" type="datetime1">
+            <a:fld id="{51A9A489-4797-4844-9302-59A6B1E5B3B7}" type="datetime1">
               <a:rPr lang="en-US" smtClean="0"/>
-              <a:t>6/11/18</a:t>
+              <a:t>5/29/23</a:t>
             </a:fld>
             <a:endParaRPr lang="en-US"/>
           </a:p>
@@ -16967,7 +16968,7 @@
           <a:p>
             <a:r>
               <a:rPr lang="en-US"/>
-              <a:t>© 2018, FLL Tutorials, Last Edit 6/11/2018</a:t>
+              <a:t>© 2023, FLLTutorials.com, Last Edit 5/29/2023</a:t>
             </a:r>
           </a:p>
         </p:txBody>
@@ -17309,9 +17310,9 @@
           <a:bodyPr/>
           <a:lstStyle/>
           <a:p>
-            <a:fld id="{00E5654C-71EA-4228-A969-2336B311E657}" type="datetime1">
+            <a:fld id="{9D6F78DC-C0C5-9E4B-92FD-E7DDDC8E8E4E}" type="datetime1">
               <a:rPr lang="en-US" smtClean="0"/>
-              <a:t>6/11/18</a:t>
+              <a:t>5/29/23</a:t>
             </a:fld>
             <a:endParaRPr lang="en-US"/>
           </a:p>
@@ -17334,7 +17335,7 @@
           <a:p>
             <a:r>
               <a:rPr lang="en-US"/>
-              <a:t>© 2018, FLL Tutorials, Last Edit 6/11/2018</a:t>
+              <a:t>© 2023, FLLTutorials.com, Last Edit 5/29/2023</a:t>
             </a:r>
           </a:p>
         </p:txBody>
@@ -17429,9 +17430,9 @@
           <a:bodyPr/>
           <a:lstStyle/>
           <a:p>
-            <a:fld id="{98E084B8-9892-44F9-8D34-973892F170BC}" type="datetime1">
+            <a:fld id="{968E2B28-F713-9D4C-A730-880309AC7B01}" type="datetime1">
               <a:rPr lang="en-US" smtClean="0"/>
-              <a:t>6/11/18</a:t>
+              <a:t>5/29/23</a:t>
             </a:fld>
             <a:endParaRPr lang="en-US"/>
           </a:p>
@@ -17454,7 +17455,7 @@
           <a:p>
             <a:r>
               <a:rPr lang="en-US"/>
-              <a:t>© 2018, FLL Tutorials, Last Edit 6/11/2018</a:t>
+              <a:t>© 2023, FLLTutorials.com, Last Edit 5/29/2023</a:t>
             </a:r>
           </a:p>
         </p:txBody>
@@ -17527,9 +17528,9 @@
           <a:bodyPr/>
           <a:lstStyle/>
           <a:p>
-            <a:fld id="{170BA91B-2B5F-419A-B699-4ACA92B6D543}" type="datetime1">
+            <a:fld id="{E56CA724-E3D7-0440-9CBF-2F6AB21B5BE9}" type="datetime1">
               <a:rPr lang="en-US" smtClean="0"/>
-              <a:t>6/11/18</a:t>
+              <a:t>5/29/23</a:t>
             </a:fld>
             <a:endParaRPr lang="en-US"/>
           </a:p>
@@ -17552,7 +17553,7 @@
           <a:p>
             <a:r>
               <a:rPr lang="en-US"/>
-              <a:t>© 2018, FLL Tutorials, Last Edit 6/11/2018</a:t>
+              <a:t>© 2023, FLLTutorials.com, Last Edit 5/29/2023</a:t>
             </a:r>
           </a:p>
         </p:txBody>
@@ -17805,9 +17806,9 @@
           <a:bodyPr/>
           <a:lstStyle/>
           <a:p>
-            <a:fld id="{9A351693-18F6-42F2-996D-CA21E4FDC683}" type="datetime1">
+            <a:fld id="{35EA5199-678C-084D-9E4E-6EA1D529CB73}" type="datetime1">
               <a:rPr lang="en-US" smtClean="0"/>
-              <a:t>6/11/18</a:t>
+              <a:t>5/29/23</a:t>
             </a:fld>
             <a:endParaRPr lang="en-US"/>
           </a:p>
@@ -17830,7 +17831,7 @@
           <a:p>
             <a:r>
               <a:rPr lang="en-US"/>
-              <a:t>© 2018, FLL Tutorials, Last Edit 6/11/2018</a:t>
+              <a:t>© 2023, FLLTutorials.com, Last Edit 5/29/2023</a:t>
             </a:r>
           </a:p>
         </p:txBody>
@@ -18063,9 +18064,9 @@
           <a:bodyPr/>
           <a:lstStyle/>
           <a:p>
-            <a:fld id="{FBACEF65-994F-46A4-B29E-172736730B7C}" type="datetime1">
+            <a:fld id="{4B44C2B5-8D79-324C-8E9C-398F74B6DAB6}" type="datetime1">
               <a:rPr lang="en-US" smtClean="0"/>
-              <a:t>6/11/18</a:t>
+              <a:t>5/29/23</a:t>
             </a:fld>
             <a:endParaRPr lang="en-US"/>
           </a:p>
@@ -18088,7 +18089,7 @@
           <a:p>
             <a:r>
               <a:rPr lang="en-US"/>
-              <a:t>© 2018, FLL Tutorials, Last Edit 6/11/2018</a:t>
+              <a:t>© 2023, FLLTutorials.com, Last Edit 5/29/2023</a:t>
             </a:r>
           </a:p>
         </p:txBody>
@@ -18234,9 +18235,9 @@
           <a:bodyPr/>
           <a:lstStyle/>
           <a:p>
-            <a:fld id="{4DE56DEE-99A0-4467-80BF-40202FC846D4}" type="datetime1">
+            <a:fld id="{B4FD99C5-7C3B-EB4F-9C77-29005728D987}" type="datetime1">
               <a:rPr lang="en-US" smtClean="0"/>
-              <a:t>6/11/18</a:t>
+              <a:t>5/29/23</a:t>
             </a:fld>
             <a:endParaRPr lang="en-US"/>
           </a:p>
@@ -18259,7 +18260,7 @@
           <a:p>
             <a:r>
               <a:rPr lang="en-US"/>
-              <a:t>© 2018, FLL Tutorials, Last Edit 6/11/2018</a:t>
+              <a:t>© 2023, FLLTutorials.com, Last Edit 5/29/2023</a:t>
             </a:r>
           </a:p>
         </p:txBody>
@@ -18415,9 +18416,9 @@
           <a:bodyPr/>
           <a:lstStyle/>
           <a:p>
-            <a:fld id="{0212D243-B670-45EE-AC06-165FDE4BC6F3}" type="datetime1">
+            <a:fld id="{FD7D242E-A49A-A143-84CE-69D6B55153A9}" type="datetime1">
               <a:rPr lang="en-US" smtClean="0"/>
-              <a:t>6/11/18</a:t>
+              <a:t>5/29/23</a:t>
             </a:fld>
             <a:endParaRPr lang="en-US"/>
           </a:p>
@@ -18440,7 +18441,7 @@
           <a:p>
             <a:r>
               <a:rPr lang="en-US"/>
-              <a:t>© 2018, FLL Tutorials, Last Edit 6/11/2018</a:t>
+              <a:t>© 2023, FLLTutorials.com, Last Edit 5/29/2023</a:t>
             </a:r>
           </a:p>
         </p:txBody>
@@ -18732,9 +18733,9 @@
             </a:lvl1pPr>
           </a:lstStyle>
           <a:p>
-            <a:fld id="{C452239F-5E15-42AF-80DE-E24126629C1D}" type="datetime1">
+            <a:fld id="{E372AEDE-48CC-5C40-B20B-13D78EAA9DA3}" type="datetime1">
               <a:rPr lang="en-US" smtClean="0"/>
-              <a:t>6/11/18</a:t>
+              <a:t>5/29/23</a:t>
             </a:fld>
             <a:endParaRPr lang="en-US"/>
           </a:p>
@@ -18776,7 +18777,7 @@
           <a:p>
             <a:r>
               <a:rPr lang="en-US"/>
-              <a:t>© 2018, FLL Tutorials, Last Edit 6/11/2018</a:t>
+              <a:t>© 2023, FLLTutorials.com, Last Edit 5/29/2023</a:t>
             </a:r>
           </a:p>
         </p:txBody>
@@ -19065,9 +19066,9 @@
             </a:lvl1pPr>
           </a:lstStyle>
           <a:p>
-            <a:fld id="{9C39BB6C-5FB4-4E89-88BD-5184352EED4D}" type="datetime1">
+            <a:fld id="{B044771F-6214-E145-8562-3E867729D6DA}" type="datetime1">
               <a:rPr lang="en-US" smtClean="0"/>
-              <a:t>6/11/18</a:t>
+              <a:t>5/29/23</a:t>
             </a:fld>
             <a:endParaRPr lang="en-US"/>
           </a:p>
@@ -19112,7 +19113,7 @@
           <a:p>
             <a:r>
               <a:rPr lang="en-US"/>
-              <a:t>© 2018, FLL Tutorials, Last Edit 6/11/2018</a:t>
+              <a:t>© 2023, FLLTutorials.com, Last Edit 5/29/2023</a:t>
             </a:r>
           </a:p>
         </p:txBody>
@@ -19519,7 +19520,7 @@
             <a:fld id="{B61BEF0D-F0BB-DE4B-95CE-6DB70DBA9567}" type="datetimeFigureOut">
               <a:rPr lang="en-US" smtClean="0"/>
               <a:pPr/>
-              <a:t>6/11/18</a:t>
+              <a:t>5/29/23</a:t>
             </a:fld>
             <a:endParaRPr lang="en-US" dirty="0"/>
           </a:p>
@@ -19835,9 +19836,9 @@
           <a:bodyPr/>
           <a:lstStyle/>
           <a:p>
-            <a:fld id="{40C614BE-37CA-4567-9528-2C81702B27D3}" type="datetime1">
+            <a:fld id="{37D91FBC-B4A0-6C44-BAB5-A3EA498DA683}" type="datetime1">
               <a:rPr lang="en-US" smtClean="0"/>
-              <a:t>6/11/18</a:t>
+              <a:t>5/29/23</a:t>
             </a:fld>
             <a:endParaRPr lang="en-US"/>
           </a:p>
@@ -19860,7 +19861,7 @@
           <a:p>
             <a:r>
               <a:rPr lang="en-US"/>
-              <a:t>© 2018, FLL Tutorials, Last Edit 6/11/2018</a:t>
+              <a:t>© 2023, FLLTutorials.com, Last Edit 5/29/2023</a:t>
             </a:r>
           </a:p>
         </p:txBody>
@@ -20121,9 +20122,9 @@
           <a:bodyPr/>
           <a:lstStyle/>
           <a:p>
-            <a:fld id="{86E66677-305F-474A-96C1-40206A6315F9}" type="datetime1">
+            <a:fld id="{22139478-8216-5347-A9D4-FFBC4D073727}" type="datetime1">
               <a:rPr lang="en-US" smtClean="0"/>
-              <a:t>6/11/18</a:t>
+              <a:t>5/29/23</a:t>
             </a:fld>
             <a:endParaRPr lang="en-US"/>
           </a:p>
@@ -20154,7 +20155,7 @@
           <a:p>
             <a:r>
               <a:rPr lang="en-US"/>
-              <a:t>© 2018, FLL Tutorials, Last Edit 6/11/2018</a:t>
+              <a:t>© 2023, FLLTutorials.com, Last Edit 5/29/2023</a:t>
             </a:r>
           </a:p>
         </p:txBody>
@@ -20569,9 +20570,9 @@
           <a:bodyPr/>
           <a:lstStyle/>
           <a:p>
-            <a:fld id="{5899E290-6000-40DE-8D2E-8A6C7BCA6D64}" type="datetime1">
+            <a:fld id="{521FFB0A-5966-784F-9ADC-E63694711C72}" type="datetime1">
               <a:rPr lang="en-US" smtClean="0"/>
-              <a:t>6/11/18</a:t>
+              <a:t>5/29/23</a:t>
             </a:fld>
             <a:endParaRPr lang="en-US"/>
           </a:p>
@@ -20602,7 +20603,7 @@
           <a:p>
             <a:r>
               <a:rPr lang="en-US"/>
-              <a:t>© 2018, FLL Tutorials, Last Edit 6/11/2018</a:t>
+              <a:t>© 2023, FLLTutorials.com, Last Edit 5/29/2023</a:t>
             </a:r>
           </a:p>
         </p:txBody>
@@ -20753,9 +20754,9 @@
           <a:bodyPr/>
           <a:lstStyle/>
           <a:p>
-            <a:fld id="{203CEB20-DA2F-46FB-B914-A799C2D5E5AF}" type="datetime1">
+            <a:fld id="{992299C7-0334-9A48-95F3-081947413C7D}" type="datetime1">
               <a:rPr lang="en-US" smtClean="0"/>
-              <a:t>6/11/18</a:t>
+              <a:t>5/29/23</a:t>
             </a:fld>
             <a:endParaRPr lang="en-US"/>
           </a:p>
@@ -20786,7 +20787,7 @@
           <a:p>
             <a:r>
               <a:rPr lang="en-US"/>
-              <a:t>© 2018, FLL Tutorials, Last Edit 6/11/2018</a:t>
+              <a:t>© 2023, FLLTutorials.com, Last Edit 5/29/2023</a:t>
             </a:r>
           </a:p>
         </p:txBody>
@@ -20875,9 +20876,9 @@
           <a:bodyPr/>
           <a:lstStyle/>
           <a:p>
-            <a:fld id="{C053F30D-30C7-44F2-B55F-ACA3EAA80763}" type="datetime1">
+            <a:fld id="{CEA24510-404C-DE49-A064-B8E9125B4C08}" type="datetime1">
               <a:rPr lang="en-US" smtClean="0"/>
-              <a:t>6/11/18</a:t>
+              <a:t>5/29/23</a:t>
             </a:fld>
             <a:endParaRPr lang="en-US"/>
           </a:p>
@@ -20908,7 +20909,7 @@
           <a:p>
             <a:r>
               <a:rPr lang="en-US"/>
-              <a:t>© 2018, FLL Tutorials, Last Edit 6/11/2018</a:t>
+              <a:t>© 2023, FLLTutorials.com, Last Edit 5/29/2023</a:t>
             </a:r>
           </a:p>
         </p:txBody>
@@ -21280,9 +21281,9 @@
             </a:lvl1pPr>
           </a:lstStyle>
           <a:p>
-            <a:fld id="{E908B297-A402-4D6D-993A-8B0F646B3BD3}" type="datetime1">
+            <a:fld id="{92DA8622-D38C-964C-A1D0-418DE7B6129B}" type="datetime1">
               <a:rPr lang="en-US" smtClean="0"/>
-              <a:t>6/11/18</a:t>
+              <a:t>5/29/23</a:t>
             </a:fld>
             <a:endParaRPr lang="en-US"/>
           </a:p>
@@ -21324,7 +21325,7 @@
           <a:p>
             <a:r>
               <a:rPr lang="en-US"/>
-              <a:t>© 2018, FLL Tutorials, Last Edit 6/11/2018</a:t>
+              <a:t>© 2023, FLLTutorials.com, Last Edit 5/29/2023</a:t>
             </a:r>
           </a:p>
         </p:txBody>
@@ -21596,9 +21597,9 @@
           <a:bodyPr/>
           <a:lstStyle/>
           <a:p>
-            <a:fld id="{D1B0472C-9B72-442D-BB0E-3270650E9BA0}" type="datetime1">
+            <a:fld id="{8825E8F8-8855-664B-8A7D-39A0B42A2035}" type="datetime1">
               <a:rPr lang="en-US" smtClean="0"/>
-              <a:t>6/11/18</a:t>
+              <a:t>5/29/23</a:t>
             </a:fld>
             <a:endParaRPr lang="en-US"/>
           </a:p>
@@ -21629,7 +21630,7 @@
           <a:p>
             <a:r>
               <a:rPr lang="en-US"/>
-              <a:t>© 2018, FLL Tutorials, Last Edit 6/11/2018</a:t>
+              <a:t>© 2023, FLLTutorials.com, Last Edit 5/29/2023</a:t>
             </a:r>
           </a:p>
         </p:txBody>
@@ -21848,9 +21849,9 @@
           <a:bodyPr/>
           <a:lstStyle/>
           <a:p>
-            <a:fld id="{BF4F4D93-5D8A-4ED0-B1D8-E2C72CE6A555}" type="datetime1">
+            <a:fld id="{2C4CBC6F-6B3E-694B-9573-CCBFF86CE6BA}" type="datetime1">
               <a:rPr lang="en-US" smtClean="0"/>
-              <a:t>6/11/18</a:t>
+              <a:t>5/29/23</a:t>
             </a:fld>
             <a:endParaRPr lang="en-US"/>
           </a:p>
@@ -21881,7 +21882,7 @@
           <a:p>
             <a:r>
               <a:rPr lang="en-US"/>
-              <a:t>© 2018, FLL Tutorials, Last Edit 6/11/2018</a:t>
+              <a:t>© 2023, FLLTutorials.com, Last Edit 5/29/2023</a:t>
             </a:r>
           </a:p>
         </p:txBody>
@@ -22105,9 +22106,9 @@
             </a:lvl1pPr>
           </a:lstStyle>
           <a:p>
-            <a:fld id="{5AE6D091-2FEE-4389-B842-CCE1A40B3F4C}" type="datetime1">
+            <a:fld id="{FDD7C13A-0B03-E746-952E-D3584B92E246}" type="datetime1">
               <a:rPr lang="en-US" smtClean="0"/>
-              <a:t>6/11/18</a:t>
+              <a:t>5/29/23</a:t>
             </a:fld>
             <a:endParaRPr lang="en-US"/>
           </a:p>
@@ -22138,7 +22139,7 @@
           <a:p>
             <a:r>
               <a:rPr lang="en-US"/>
-              <a:t>© 2018, FLL Tutorials, Last Edit 6/11/2018</a:t>
+              <a:t>© 2023, FLLTutorials.com, Last Edit 5/29/2023</a:t>
             </a:r>
           </a:p>
         </p:txBody>
@@ -22382,9 +22383,9 @@
           <a:bodyPr/>
           <a:lstStyle/>
           <a:p>
-            <a:fld id="{A276A415-C16D-4350-B8BD-BB77BB0ED822}" type="datetime1">
+            <a:fld id="{F3A2CD22-1ABE-E848-B875-C676EED2141E}" type="datetime1">
               <a:rPr lang="en-US" smtClean="0"/>
-              <a:t>6/11/18</a:t>
+              <a:t>5/29/23</a:t>
             </a:fld>
             <a:endParaRPr lang="en-US"/>
           </a:p>
@@ -22407,7 +22408,7 @@
           <a:p>
             <a:r>
               <a:rPr lang="en-US"/>
-              <a:t>© 2018, FLL Tutorials, Last Edit 6/11/2018</a:t>
+              <a:t>© 2023, FLLTutorials.com, Last Edit 5/29/2023</a:t>
             </a:r>
           </a:p>
         </p:txBody>
@@ -22682,9 +22683,9 @@
           <a:bodyPr/>
           <a:lstStyle/>
           <a:p>
-            <a:fld id="{2BE533D0-F4F3-44D8-9CBA-E22F59194017}" type="datetime1">
+            <a:fld id="{70BF2D36-C86F-C849-A11B-321D8E1D1CAA}" type="datetime1">
               <a:rPr lang="en-US" smtClean="0"/>
-              <a:t>6/11/18</a:t>
+              <a:t>5/29/23</a:t>
             </a:fld>
             <a:endParaRPr lang="en-US"/>
           </a:p>
@@ -22707,7 +22708,7 @@
           <a:p>
             <a:r>
               <a:rPr lang="en-US"/>
-              <a:t>© 2018, FLL Tutorials, Last Edit 6/11/2018</a:t>
+              <a:t>© 2023, FLLTutorials.com, Last Edit 5/29/2023</a:t>
             </a:r>
           </a:p>
         </p:txBody>
@@ -22983,9 +22984,9 @@
             </a:lvl1pPr>
           </a:lstStyle>
           <a:p>
-            <a:fld id="{275BE728-DE2C-4A92-AE1A-340808CBCBDE}" type="datetime1">
+            <a:fld id="{20D489D2-B36F-B04A-96AA-1F21298CC771}" type="datetime1">
               <a:rPr lang="en-US" smtClean="0"/>
-              <a:t>6/11/18</a:t>
+              <a:t>5/29/23</a:t>
             </a:fld>
             <a:endParaRPr lang="en-US"/>
           </a:p>
@@ -23024,7 +23025,7 @@
           <a:p>
             <a:r>
               <a:rPr lang="en-US"/>
-              <a:t>© 2018, FLL Tutorials, Last Edit 6/11/2018</a:t>
+              <a:t>© 2023, FLLTutorials.com, Last Edit 5/29/2023</a:t>
             </a:r>
           </a:p>
         </p:txBody>
@@ -23935,9 +23936,9 @@
             </a:lvl1pPr>
           </a:lstStyle>
           <a:p>
-            <a:fld id="{5A8DFA03-329D-42D2-B305-CA5FAEABF56D}" type="datetime1">
+            <a:fld id="{792B3C64-5A03-E949-9402-18ED35D6561A}" type="datetime1">
               <a:rPr lang="en-US" smtClean="0"/>
-              <a:t>6/11/18</a:t>
+              <a:t>5/29/23</a:t>
             </a:fld>
             <a:endParaRPr lang="en-US"/>
           </a:p>
@@ -23976,7 +23977,7 @@
           <a:p>
             <a:r>
               <a:rPr lang="en-US"/>
-              <a:t>© 2018, FLL Tutorials, Last Edit 6/11/2018</a:t>
+              <a:t>© 2023, FLLTutorials.com, Last Edit 5/29/2023</a:t>
             </a:r>
           </a:p>
         </p:txBody>
@@ -24993,9 +24994,9 @@
             </a:lvl1pPr>
           </a:lstStyle>
           <a:p>
-            <a:fld id="{C30B35E1-AD7E-4913-8791-E28D37AB24BC}" type="datetime1">
+            <a:fld id="{BD36B647-D7CB-114C-B2F5-6345F1FA5082}" type="datetime1">
               <a:rPr lang="en-US" smtClean="0"/>
-              <a:t>6/11/18</a:t>
+              <a:t>5/29/23</a:t>
             </a:fld>
             <a:endParaRPr lang="en-US"/>
           </a:p>
@@ -25036,7 +25037,7 @@
           <a:p>
             <a:r>
               <a:rPr lang="en-US"/>
-              <a:t>© 2018, FLL Tutorials, Last Edit 6/11/2018</a:t>
+              <a:t>© 2023, FLLTutorials.com, Last Edit 5/29/2023</a:t>
             </a:r>
           </a:p>
         </p:txBody>
@@ -25535,9 +25536,9 @@
             </a:lvl1pPr>
           </a:lstStyle>
           <a:p>
-            <a:fld id="{A70E66B5-E5E2-4C22-9E2C-E5CC1581624E}" type="datetime1">
+            <a:fld id="{E4A22D63-82A3-2B44-88BF-3F37A9AD69DE}" type="datetime1">
               <a:rPr lang="en-US" smtClean="0"/>
-              <a:t>6/11/18</a:t>
+              <a:t>5/29/23</a:t>
             </a:fld>
             <a:endParaRPr lang="en-US"/>
           </a:p>
@@ -25576,7 +25577,7 @@
           <a:p>
             <a:r>
               <a:rPr lang="en-US"/>
-              <a:t>© 2018, FLL Tutorials, Last Edit 6/11/2018</a:t>
+              <a:t>© 2023, FLLTutorials.com, Last Edit 5/29/2023</a:t>
             </a:r>
           </a:p>
         </p:txBody>
@@ -26904,9 +26905,9 @@
             </a:lvl1pPr>
           </a:lstStyle>
           <a:p>
-            <a:fld id="{A4F5D5A9-F910-4243-BE2B-78E76CE1DC81}" type="datetime1">
+            <a:fld id="{1A5FC935-D78A-D24B-B757-B040A1141A6B}" type="datetime1">
               <a:rPr lang="en-US" smtClean="0"/>
-              <a:t>6/11/18</a:t>
+              <a:t>5/29/23</a:t>
             </a:fld>
             <a:endParaRPr lang="en-US"/>
           </a:p>
@@ -26945,7 +26946,7 @@
           <a:p>
             <a:r>
               <a:rPr lang="en-US"/>
-              <a:t>© 2018, FLL Tutorials, Last Edit 6/11/2018</a:t>
+              <a:t>© 2023, FLLTutorials.com, Last Edit 5/29/2023</a:t>
             </a:r>
           </a:p>
         </p:txBody>
@@ -27982,9 +27983,9 @@
             </a:lvl1pPr>
           </a:lstStyle>
           <a:p>
-            <a:fld id="{C450C0F3-FB09-434B-BEE3-6ECF6243B5C3}" type="datetime1">
+            <a:fld id="{0AE7A59D-51F6-F34C-A6FD-0AB06062C6DB}" type="datetime1">
               <a:rPr lang="en-US" smtClean="0"/>
-              <a:t>6/11/18</a:t>
+              <a:t>5/29/23</a:t>
             </a:fld>
             <a:endParaRPr lang="en-US"/>
           </a:p>
@@ -28025,7 +28026,7 @@
           <a:p>
             <a:r>
               <a:rPr lang="en-US"/>
-              <a:t>© 2018, FLL Tutorials, Last Edit 6/11/2018</a:t>
+              <a:t>© 2023, FLLTutorials.com, Last Edit 5/29/2023</a:t>
             </a:r>
           </a:p>
         </p:txBody>
@@ -28644,9 +28645,9 @@
             </a:lvl1pPr>
           </a:lstStyle>
           <a:p>
-            <a:fld id="{8ACD2E03-C62B-4C97-A421-04C70F7287AB}" type="datetime1">
+            <a:fld id="{293DFB38-74F9-754F-A0B6-0B07B271B8F1}" type="datetime1">
               <a:rPr lang="en-US" smtClean="0"/>
-              <a:t>6/11/18</a:t>
+              <a:t>5/29/23</a:t>
             </a:fld>
             <a:endParaRPr lang="en-US"/>
           </a:p>
@@ -28694,7 +28695,7 @@
           <a:p>
             <a:r>
               <a:rPr lang="en-US"/>
-              <a:t>© 2018, FLL Tutorials, Last Edit 6/11/2018</a:t>
+              <a:t>© 2023, FLLTutorials.com, Last Edit 5/29/2023</a:t>
             </a:r>
           </a:p>
         </p:txBody>
@@ -29176,7 +29177,7 @@
             <a:pPr algn="ctr"/>
             <a:r>
               <a:rPr lang="en-US" dirty="0"/>
-              <a:t>Lego cad software</a:t>
+              <a:t>Lego DEGITAL DESIGN software</a:t>
             </a:r>
           </a:p>
         </p:txBody>
@@ -29250,7 +29251,7 @@
           <a:p>
             <a:r>
               <a:rPr lang="en-US" dirty="0"/>
-              <a:t>Other LEGO Cad software</a:t>
+              <a:t>Limitations with LDD</a:t>
             </a:r>
           </a:p>
         </p:txBody>
@@ -29265,7 +29266,12 @@
             <p:ph idx="1"/>
           </p:nvPr>
         </p:nvSpPr>
-        <p:spPr/>
+        <p:spPr>
+          <a:xfrm>
+            <a:off x="457200" y="1514475"/>
+            <a:ext cx="8245474" cy="4611688"/>
+          </a:xfrm>
+        </p:spPr>
         <p:txBody>
           <a:bodyPr>
             <a:normAutofit/>
@@ -29273,68 +29279,26 @@
           <a:lstStyle/>
           <a:p>
             <a:r>
-              <a:rPr lang="en-US" sz="2400" dirty="0" err="1"/>
-              <a:t>LDCad</a:t>
-            </a:r>
-            <a:r>
-              <a:rPr lang="en-US" sz="2400" dirty="0"/>
-              <a:t>: http://</a:t>
-            </a:r>
-            <a:r>
-              <a:rPr lang="en-US" sz="2400" dirty="0" err="1"/>
-              <a:t>www.melkert.net</a:t>
-            </a:r>
-            <a:r>
-              <a:rPr lang="en-US" sz="2400" dirty="0"/>
-              <a:t>/</a:t>
-            </a:r>
-            <a:r>
-              <a:rPr lang="en-US" sz="2400" dirty="0" err="1"/>
-              <a:t>LDCad</a:t>
-            </a:r>
-            <a:r>
-              <a:rPr lang="en-US" sz="2400" dirty="0"/>
-              <a:t> </a:t>
-            </a:r>
-          </a:p>
-          <a:p>
-            <a:r>
-              <a:rPr lang="en-US" sz="2400" dirty="0"/>
-              <a:t>MLCAD: http://</a:t>
-            </a:r>
-            <a:r>
-              <a:rPr lang="en-US" sz="2400" dirty="0" err="1"/>
-              <a:t>mlcad.lm-software.com</a:t>
-            </a:r>
-            <a:r>
-              <a:rPr lang="en-US" sz="2400" dirty="0"/>
-              <a:t>/ </a:t>
-            </a:r>
-          </a:p>
-          <a:p>
-            <a:r>
-              <a:rPr lang="en-US" sz="2400" dirty="0" err="1"/>
-              <a:t>LeoCAD</a:t>
-            </a:r>
-            <a:r>
-              <a:rPr lang="en-US" sz="2400" dirty="0"/>
-              <a:t>: </a:t>
-            </a:r>
-            <a:r>
-              <a:rPr lang="en-US" sz="2400" dirty="0">
-                <a:hlinkClick r:id="rId2"/>
-              </a:rPr>
-              <a:t>http://www.leocad.org/trac</a:t>
-            </a:r>
-            <a:endParaRPr lang="en-US" sz="2400" dirty="0"/>
-          </a:p>
-          <a:p>
-            <a:endParaRPr lang="en-US" sz="2400" dirty="0"/>
-          </a:p>
-          <a:p>
-            <a:r>
-              <a:rPr lang="en-US" sz="2400" dirty="0"/>
-              <a:t>All these above use the LDRAW building system</a:t>
+              <a:rPr lang="en-US" sz="2800" dirty="0"/>
+              <a:t>Build instructions generated by the software often seem out-of-order and do not make sense</a:t>
+            </a:r>
+          </a:p>
+          <a:p>
+            <a:r>
+              <a:rPr lang="en-US" sz="2800" dirty="0"/>
+              <a:t>Build instructions cannot be customized</a:t>
+            </a:r>
+          </a:p>
+          <a:p>
+            <a:r>
+              <a:rPr lang="en-US" sz="2800" dirty="0"/>
+              <a:t>Sometimes builds you may have created in the real world are not permitted in the LDD environment as they are technically stressing the LEGO elements</a:t>
+            </a:r>
+          </a:p>
+          <a:p>
+            <a:r>
+              <a:rPr lang="en-US" sz="2800" dirty="0"/>
+              <a:t>Pneumatic hoses, rubber bands, and some other elements often cannot be connected and placed correctly</a:t>
             </a:r>
           </a:p>
         </p:txBody>
@@ -29356,7 +29320,7 @@
           <a:p>
             <a:r>
               <a:rPr lang="en-US"/>
-              <a:t>© 2018, FLL Tutorials, Last Edit 6/11/2018</a:t>
+              <a:t>© 2023, FLLTutorials.com, Last Edit 5/29/2023</a:t>
             </a:r>
           </a:p>
         </p:txBody>
@@ -29364,7 +29328,7 @@
     </p:spTree>
     <p:extLst>
       <p:ext uri="{BB962C8B-B14F-4D97-AF65-F5344CB8AC3E}">
-        <p14:creationId xmlns:p14="http://schemas.microsoft.com/office/powerpoint/2010/main" val="1928649474"/>
+        <p14:creationId xmlns:p14="http://schemas.microsoft.com/office/powerpoint/2010/main" val="688876347"/>
       </p:ext>
     </p:extLst>
   </p:cSld>
@@ -29408,6 +29372,164 @@
           <a:p>
             <a:r>
               <a:rPr lang="en-US" dirty="0"/>
+              <a:t>Other LEGO Cad software</a:t>
+            </a:r>
+          </a:p>
+        </p:txBody>
+      </p:sp>
+      <p:sp>
+        <p:nvSpPr>
+          <p:cNvPr id="3" name="Content Placeholder 2"/>
+          <p:cNvSpPr>
+            <a:spLocks noGrp="1"/>
+          </p:cNvSpPr>
+          <p:nvPr>
+            <p:ph idx="1"/>
+          </p:nvPr>
+        </p:nvSpPr>
+        <p:spPr/>
+        <p:txBody>
+          <a:bodyPr>
+            <a:normAutofit/>
+          </a:bodyPr>
+          <a:lstStyle/>
+          <a:p>
+            <a:r>
+              <a:rPr lang="en-US" sz="2400" dirty="0" err="1"/>
+              <a:t>LDCad</a:t>
+            </a:r>
+            <a:r>
+              <a:rPr lang="en-US" sz="2400" dirty="0"/>
+              <a:t>: http://</a:t>
+            </a:r>
+            <a:r>
+              <a:rPr lang="en-US" sz="2400" dirty="0" err="1"/>
+              <a:t>www.melkert.net</a:t>
+            </a:r>
+            <a:r>
+              <a:rPr lang="en-US" sz="2400" dirty="0"/>
+              <a:t>/</a:t>
+            </a:r>
+            <a:r>
+              <a:rPr lang="en-US" sz="2400" dirty="0" err="1"/>
+              <a:t>LDCad</a:t>
+            </a:r>
+            <a:r>
+              <a:rPr lang="en-US" sz="2400" dirty="0"/>
+              <a:t> </a:t>
+            </a:r>
+          </a:p>
+          <a:p>
+            <a:r>
+              <a:rPr lang="en-US" sz="2400" dirty="0"/>
+              <a:t>MLCAD: http://</a:t>
+            </a:r>
+            <a:r>
+              <a:rPr lang="en-US" sz="2400" dirty="0" err="1"/>
+              <a:t>mlcad.lm-software.com</a:t>
+            </a:r>
+            <a:r>
+              <a:rPr lang="en-US" sz="2400" dirty="0"/>
+              <a:t>/ </a:t>
+            </a:r>
+          </a:p>
+          <a:p>
+            <a:r>
+              <a:rPr lang="en-US" sz="2400" dirty="0" err="1"/>
+              <a:t>LeoCAD</a:t>
+            </a:r>
+            <a:r>
+              <a:rPr lang="en-US" sz="2400" dirty="0"/>
+              <a:t>: </a:t>
+            </a:r>
+            <a:r>
+              <a:rPr lang="en-US" sz="2400" dirty="0">
+                <a:hlinkClick r:id="rId2"/>
+              </a:rPr>
+              <a:t>http://www.leocad.org/trac</a:t>
+            </a:r>
+            <a:endParaRPr lang="en-US" sz="2400" dirty="0"/>
+          </a:p>
+          <a:p>
+            <a:endParaRPr lang="en-US" sz="2400" dirty="0"/>
+          </a:p>
+          <a:p>
+            <a:r>
+              <a:rPr lang="en-US" sz="2400" dirty="0"/>
+              <a:t>All these above use the LDRAW building system</a:t>
+            </a:r>
+          </a:p>
+        </p:txBody>
+      </p:sp>
+      <p:sp>
+        <p:nvSpPr>
+          <p:cNvPr id="4" name="Footer Placeholder 3"/>
+          <p:cNvSpPr>
+            <a:spLocks noGrp="1"/>
+          </p:cNvSpPr>
+          <p:nvPr>
+            <p:ph type="ftr" sz="quarter" idx="11"/>
+          </p:nvPr>
+        </p:nvSpPr>
+        <p:spPr/>
+        <p:txBody>
+          <a:bodyPr/>
+          <a:lstStyle/>
+          <a:p>
+            <a:r>
+              <a:rPr lang="en-US"/>
+              <a:t>© 2023, FLLTutorials.com, Last Edit 5/29/2023</a:t>
+            </a:r>
+          </a:p>
+        </p:txBody>
+      </p:sp>
+    </p:spTree>
+    <p:extLst>
+      <p:ext uri="{BB962C8B-B14F-4D97-AF65-F5344CB8AC3E}">
+        <p14:creationId xmlns:p14="http://schemas.microsoft.com/office/powerpoint/2010/main" val="1928649474"/>
+      </p:ext>
+    </p:extLst>
+  </p:cSld>
+  <p:clrMapOvr>
+    <a:masterClrMapping/>
+  </p:clrMapOvr>
+</p:sld>
+</file>
+
+<file path=ppt/slides/slide12.xml><?xml version="1.0" encoding="utf-8"?>
+<p:sld xmlns:a="http://schemas.openxmlformats.org/drawingml/2006/main" xmlns:r="http://schemas.openxmlformats.org/officeDocument/2006/relationships" xmlns:p="http://schemas.openxmlformats.org/presentationml/2006/main">
+  <p:cSld>
+    <p:spTree>
+      <p:nvGrpSpPr>
+        <p:cNvPr id="1" name=""/>
+        <p:cNvGrpSpPr/>
+        <p:nvPr/>
+      </p:nvGrpSpPr>
+      <p:grpSpPr>
+        <a:xfrm>
+          <a:off x="0" y="0"/>
+          <a:ext cx="0" cy="0"/>
+          <a:chOff x="0" y="0"/>
+          <a:chExt cx="0" cy="0"/>
+        </a:xfrm>
+      </p:grpSpPr>
+      <p:sp>
+        <p:nvSpPr>
+          <p:cNvPr id="2" name="Title 1"/>
+          <p:cNvSpPr>
+            <a:spLocks noGrp="1"/>
+          </p:cNvSpPr>
+          <p:nvPr>
+            <p:ph type="title"/>
+          </p:nvPr>
+        </p:nvSpPr>
+        <p:spPr/>
+        <p:txBody>
+          <a:bodyPr/>
+          <a:lstStyle/>
+          <a:p>
+            <a:r>
+              <a:rPr lang="en-US" dirty="0"/>
               <a:t>Credits</a:t>
             </a:r>
           </a:p>
@@ -29505,7 +29627,7 @@
           <a:p>
             <a:r>
               <a:rPr lang="en-US"/>
-              <a:t>© 2018, FLL Tutorials, Last Edit 6/11/2018</a:t>
+              <a:t>© 2023, FLLTutorials.com, Last Edit 5/29/2023</a:t>
             </a:r>
           </a:p>
         </p:txBody>
@@ -29535,7 +29657,7 @@
           <a:effectLst/>
           <a:extLst>
             <a:ext uri="{91240B29-F687-4f45-9708-019B960494DF}">
-              <a14:hiddenLine xmlns:a14="http://schemas.microsoft.com/office/drawing/2010/main" xmlns="" w="9525">
+              <a14:hiddenLine xmlns="" xmlns:a14="http://schemas.microsoft.com/office/drawing/2010/main" w="9525">
                 <a:solidFill>
                   <a:schemeClr val="tx1"/>
                 </a:solidFill>
@@ -29545,7 +29667,7 @@
               </a14:hiddenLine>
             </a:ext>
             <a:ext uri="{AF507438-7753-43e0-B8FC-AC1667EBCBE1}">
-              <a14:hiddenEffects xmlns:a14="http://schemas.microsoft.com/office/drawing/2010/main" xmlns="">
+              <a14:hiddenEffects xmlns="" xmlns:a14="http://schemas.microsoft.com/office/drawing/2010/main">
                 <a:effectLst>
                   <a:outerShdw dist="35921" dir="2700000" algn="ctr" rotWithShape="0">
                     <a:schemeClr val="bg2"/>
@@ -29886,7 +30008,7 @@
           <a:noFill/>
           <a:extLst>
             <a:ext uri="{909E8E84-426E-40dd-AFC4-6F175D3DCCD1}">
-              <a14:hiddenFill xmlns:a14="http://schemas.microsoft.com/office/drawing/2010/main" xmlns="">
+              <a14:hiddenFill xmlns="" xmlns:a14="http://schemas.microsoft.com/office/drawing/2010/main">
                 <a:solidFill>
                   <a:srgbClr val="FFFFFF"/>
                 </a:solidFill>
@@ -29927,6 +30049,182 @@
       </p:grpSpPr>
       <p:sp>
         <p:nvSpPr>
+          <p:cNvPr id="2" name="Title 1">
+            <a:extLst>
+              <a:ext uri="{FF2B5EF4-FFF2-40B4-BE49-F238E27FC236}">
+                <a16:creationId xmlns:a16="http://schemas.microsoft.com/office/drawing/2014/main" id="{DD66A33C-4F7B-E3E9-DB58-4A960EDE7A7A}"/>
+              </a:ext>
+            </a:extLst>
+          </p:cNvPr>
+          <p:cNvSpPr>
+            <a:spLocks noGrp="1"/>
+          </p:cNvSpPr>
+          <p:nvPr>
+            <p:ph type="title"/>
+          </p:nvPr>
+        </p:nvSpPr>
+        <p:spPr/>
+        <p:txBody>
+          <a:bodyPr/>
+          <a:lstStyle/>
+          <a:p>
+            <a:r>
+              <a:rPr lang="en-US" dirty="0"/>
+              <a:t>NOTE: LDD is NO LONGER SUPPORTED</a:t>
+            </a:r>
+          </a:p>
+        </p:txBody>
+      </p:sp>
+      <p:sp>
+        <p:nvSpPr>
+          <p:cNvPr id="3" name="Content Placeholder 2">
+            <a:extLst>
+              <a:ext uri="{FF2B5EF4-FFF2-40B4-BE49-F238E27FC236}">
+                <a16:creationId xmlns:a16="http://schemas.microsoft.com/office/drawing/2014/main" id="{7C50FBC6-5999-C158-9F8F-F85ABB4433B4}"/>
+              </a:ext>
+            </a:extLst>
+          </p:cNvPr>
+          <p:cNvSpPr>
+            <a:spLocks noGrp="1"/>
+          </p:cNvSpPr>
+          <p:nvPr>
+            <p:ph idx="1"/>
+          </p:nvPr>
+        </p:nvSpPr>
+        <p:spPr/>
+        <p:txBody>
+          <a:bodyPr>
+            <a:normAutofit fontScale="77500" lnSpcReduction="20000"/>
+          </a:bodyPr>
+          <a:lstStyle/>
+          <a:p>
+            <a:r>
+              <a:rPr lang="en-US" dirty="0"/>
+              <a:t>LEGO DIGITAL DESIGNER website was shut down in January 2022.</a:t>
+            </a:r>
+          </a:p>
+          <a:p>
+            <a:r>
+              <a:rPr lang="en-US" dirty="0"/>
+              <a:t>It is replaced by </a:t>
+            </a:r>
+            <a:r>
+              <a:rPr lang="en-US" dirty="0" err="1"/>
+              <a:t>Bricklink</a:t>
+            </a:r>
+            <a:r>
+              <a:rPr lang="en-US" dirty="0"/>
+              <a:t> Studio (</a:t>
+            </a:r>
+            <a:r>
+              <a:rPr lang="en-US" dirty="0">
+                <a:hlinkClick r:id="rId2"/>
+              </a:rPr>
+              <a:t>https://www.bricklink.com/v2/build/studio.page</a:t>
+            </a:r>
+            <a:r>
+              <a:rPr lang="en-US" dirty="0"/>
+              <a:t>)</a:t>
+            </a:r>
+          </a:p>
+          <a:p>
+            <a:r>
+              <a:rPr lang="en-US" dirty="0"/>
+              <a:t>If you already have it installed on your computer, you can use the tips in this lesson and open .</a:t>
+            </a:r>
+            <a:r>
+              <a:rPr lang="en-US" dirty="0" err="1"/>
+              <a:t>lxf</a:t>
+            </a:r>
+            <a:r>
+              <a:rPr lang="en-US" dirty="0"/>
+              <a:t> files on the </a:t>
+            </a:r>
+            <a:r>
+              <a:rPr lang="en-US" dirty="0" err="1"/>
+              <a:t>FLLTutorials</a:t>
+            </a:r>
+            <a:r>
+              <a:rPr lang="en-US" dirty="0"/>
+              <a:t> site</a:t>
+            </a:r>
+          </a:p>
+          <a:p>
+            <a:r>
+              <a:rPr lang="en-US" dirty="0"/>
+              <a:t>https://</a:t>
+            </a:r>
+            <a:r>
+              <a:rPr lang="en-US" dirty="0" err="1"/>
+              <a:t>jaysbrickblog.com</a:t>
+            </a:r>
+            <a:r>
+              <a:rPr lang="en-US" dirty="0"/>
+              <a:t>/news/lego-digital-designer-ldd-will-be-shut-down-end-january-replaced-by-bricklink-studio/</a:t>
+            </a:r>
+          </a:p>
+        </p:txBody>
+      </p:sp>
+      <p:sp>
+        <p:nvSpPr>
+          <p:cNvPr id="4" name="Footer Placeholder 3">
+            <a:extLst>
+              <a:ext uri="{FF2B5EF4-FFF2-40B4-BE49-F238E27FC236}">
+                <a16:creationId xmlns:a16="http://schemas.microsoft.com/office/drawing/2014/main" id="{591B53C3-1E4C-46E3-3C47-B31FB97ED091}"/>
+              </a:ext>
+            </a:extLst>
+          </p:cNvPr>
+          <p:cNvSpPr>
+            <a:spLocks noGrp="1"/>
+          </p:cNvSpPr>
+          <p:nvPr>
+            <p:ph type="ftr" sz="quarter" idx="11"/>
+          </p:nvPr>
+        </p:nvSpPr>
+        <p:spPr/>
+        <p:txBody>
+          <a:bodyPr/>
+          <a:lstStyle/>
+          <a:p>
+            <a:r>
+              <a:rPr lang="en-US"/>
+              <a:t>© 2023, FLLTutorials.com, Last Edit 5/29/2023</a:t>
+            </a:r>
+          </a:p>
+        </p:txBody>
+      </p:sp>
+    </p:spTree>
+    <p:extLst>
+      <p:ext uri="{BB962C8B-B14F-4D97-AF65-F5344CB8AC3E}">
+        <p14:creationId xmlns:p14="http://schemas.microsoft.com/office/powerpoint/2010/main" val="3391575750"/>
+      </p:ext>
+    </p:extLst>
+  </p:cSld>
+  <p:clrMapOvr>
+    <a:masterClrMapping/>
+  </p:clrMapOvr>
+</p:sld>
+</file>
+
+<file path=ppt/slides/slide3.xml><?xml version="1.0" encoding="utf-8"?>
+<p:sld xmlns:a="http://schemas.openxmlformats.org/drawingml/2006/main" xmlns:r="http://schemas.openxmlformats.org/officeDocument/2006/relationships" xmlns:p="http://schemas.openxmlformats.org/presentationml/2006/main">
+  <p:cSld>
+    <p:spTree>
+      <p:nvGrpSpPr>
+        <p:cNvPr id="1" name=""/>
+        <p:cNvGrpSpPr/>
+        <p:nvPr/>
+      </p:nvGrpSpPr>
+      <p:grpSpPr>
+        <a:xfrm>
+          <a:off x="0" y="0"/>
+          <a:ext cx="0" cy="0"/>
+          <a:chOff x="0" y="0"/>
+          <a:chExt cx="0" cy="0"/>
+        </a:xfrm>
+      </p:grpSpPr>
+      <p:sp>
+        <p:nvSpPr>
           <p:cNvPr id="2" name="Title 1"/>
           <p:cNvSpPr>
             <a:spLocks noGrp="1"/>
@@ -30027,7 +30325,7 @@
           <a:p>
             <a:r>
               <a:rPr lang="en-US"/>
-              <a:t>© 2018, FLL Tutorials, Last Edit 6/11/2018</a:t>
+              <a:t>© 2023, FLLTutorials.com, Last Edit 5/29/2023</a:t>
             </a:r>
             <a:endParaRPr lang="en-US" dirty="0"/>
           </a:p>
@@ -30081,7 +30379,7 @@
 </p:sld>
 </file>
 
-<file path=ppt/slides/slide3.xml><?xml version="1.0" encoding="utf-8"?>
+<file path=ppt/slides/slide4.xml><?xml version="1.0" encoding="utf-8"?>
 <p:sld xmlns:a="http://schemas.openxmlformats.org/drawingml/2006/main" xmlns:r="http://schemas.openxmlformats.org/officeDocument/2006/relationships" xmlns:p="http://schemas.openxmlformats.org/presentationml/2006/main">
   <p:cSld>
     <p:spTree>
@@ -30208,7 +30506,7 @@
           <a:p>
             <a:r>
               <a:rPr lang="en-US"/>
-              <a:t>© 2018, FLL Tutorials, Last Edit 6/11/2018</a:t>
+              <a:t>© 2023, FLLTutorials.com, Last Edit 5/29/2023</a:t>
             </a:r>
           </a:p>
         </p:txBody>
@@ -30262,7 +30560,7 @@
 </p:sld>
 </file>
 
-<file path=ppt/slides/slide4.xml><?xml version="1.0" encoding="utf-8"?>
+<file path=ppt/slides/slide5.xml><?xml version="1.0" encoding="utf-8"?>
 <p:sld xmlns:a="http://schemas.openxmlformats.org/drawingml/2006/main" xmlns:r="http://schemas.openxmlformats.org/officeDocument/2006/relationships" xmlns:p="http://schemas.openxmlformats.org/presentationml/2006/main">
   <p:cSld>
     <p:spTree>
@@ -30375,7 +30673,7 @@
           <a:p>
             <a:r>
               <a:rPr lang="en-US"/>
-              <a:t>© 2018, FLL Tutorials, Last Edit 6/11/2018</a:t>
+              <a:t>© 2023, FLLTutorials.com, Last Edit 5/29/2023</a:t>
             </a:r>
           </a:p>
         </p:txBody>
@@ -30522,7 +30820,7 @@
 </p:sld>
 </file>
 
-<file path=ppt/slides/slide5.xml><?xml version="1.0" encoding="utf-8"?>
+<file path=ppt/slides/slide6.xml><?xml version="1.0" encoding="utf-8"?>
 <p:sld xmlns:a="http://schemas.openxmlformats.org/drawingml/2006/main" xmlns:r="http://schemas.openxmlformats.org/officeDocument/2006/relationships" xmlns:p="http://schemas.openxmlformats.org/presentationml/2006/main">
   <p:cSld>
     <p:spTree>
@@ -30611,7 +30909,7 @@
           <a:p>
             <a:r>
               <a:rPr lang="en-US"/>
-              <a:t>© 2018, FLL Tutorials, Last Edit 6/11/2018</a:t>
+              <a:t>© 2023, FLLTutorials.com, Last Edit 5/29/2023</a:t>
             </a:r>
           </a:p>
         </p:txBody>
@@ -30891,7 +31189,7 @@
 </p:sld>
 </file>
 
-<file path=ppt/slides/slide6.xml><?xml version="1.0" encoding="utf-8"?>
+<file path=ppt/slides/slide7.xml><?xml version="1.0" encoding="utf-8"?>
 <p:sld xmlns:a="http://schemas.openxmlformats.org/drawingml/2006/main" xmlns:r="http://schemas.openxmlformats.org/officeDocument/2006/relationships" xmlns:p="http://schemas.openxmlformats.org/presentationml/2006/main">
   <p:cSld>
     <p:spTree>
@@ -30984,7 +31282,7 @@
           <a:p>
             <a:r>
               <a:rPr lang="en-US"/>
-              <a:t>© 2018, FLL Tutorials, Last Edit 6/11/2018</a:t>
+              <a:t>© 2023, FLLTutorials.com, Last Edit 5/29/2023</a:t>
             </a:r>
           </a:p>
         </p:txBody>
@@ -31376,7 +31674,7 @@
 </p:sld>
 </file>
 
-<file path=ppt/slides/slide7.xml><?xml version="1.0" encoding="utf-8"?>
+<file path=ppt/slides/slide8.xml><?xml version="1.0" encoding="utf-8"?>
 <p:sld xmlns:a="http://schemas.openxmlformats.org/drawingml/2006/main" xmlns:r="http://schemas.openxmlformats.org/officeDocument/2006/relationships" xmlns:p="http://schemas.openxmlformats.org/presentationml/2006/main">
   <p:cSld>
     <p:spTree>
@@ -31440,7 +31738,7 @@
           <a:p>
             <a:r>
               <a:rPr lang="en-US"/>
-              <a:t>© 2018, FLL Tutorials, Last Edit 6/11/2018</a:t>
+              <a:t>© 2023, FLLTutorials.com, Last Edit 5/29/2023</a:t>
             </a:r>
           </a:p>
         </p:txBody>
@@ -31579,153 +31877,6 @@
 </p:sld>
 </file>
 
-<file path=ppt/slides/slide8.xml><?xml version="1.0" encoding="utf-8"?>
-<p:sld xmlns:a="http://schemas.openxmlformats.org/drawingml/2006/main" xmlns:r="http://schemas.openxmlformats.org/officeDocument/2006/relationships" xmlns:p="http://schemas.openxmlformats.org/presentationml/2006/main">
-  <p:cSld>
-    <p:spTree>
-      <p:nvGrpSpPr>
-        <p:cNvPr id="1" name=""/>
-        <p:cNvGrpSpPr/>
-        <p:nvPr/>
-      </p:nvGrpSpPr>
-      <p:grpSpPr>
-        <a:xfrm>
-          <a:off x="0" y="0"/>
-          <a:ext cx="0" cy="0"/>
-          <a:chOff x="0" y="0"/>
-          <a:chExt cx="0" cy="0"/>
-        </a:xfrm>
-      </p:grpSpPr>
-      <p:sp>
-        <p:nvSpPr>
-          <p:cNvPr id="2" name="Title 1"/>
-          <p:cNvSpPr>
-            <a:spLocks noGrp="1"/>
-          </p:cNvSpPr>
-          <p:nvPr>
-            <p:ph type="title"/>
-          </p:nvPr>
-        </p:nvSpPr>
-        <p:spPr/>
-        <p:txBody>
-          <a:bodyPr/>
-          <a:lstStyle/>
-          <a:p>
-            <a:r>
-              <a:rPr lang="en-US" dirty="0"/>
-              <a:t>LOTS MORE TIPS &amp; TRICKS</a:t>
-            </a:r>
-          </a:p>
-        </p:txBody>
-      </p:sp>
-      <p:sp>
-        <p:nvSpPr>
-          <p:cNvPr id="3" name="Content Placeholder 2"/>
-          <p:cNvSpPr>
-            <a:spLocks noGrp="1"/>
-          </p:cNvSpPr>
-          <p:nvPr>
-            <p:ph idx="1"/>
-          </p:nvPr>
-        </p:nvSpPr>
-        <p:spPr/>
-        <p:txBody>
-          <a:bodyPr>
-            <a:normAutofit/>
-          </a:bodyPr>
-          <a:lstStyle/>
-          <a:p>
-            <a:r>
-              <a:rPr lang="en-US" sz="1600" dirty="0"/>
-              <a:t>Virtual Robotics Toolkit Introduction to LDD Videos:</a:t>
-            </a:r>
-          </a:p>
-          <a:p>
-            <a:pPr lvl="1"/>
-            <a:r>
-              <a:rPr lang="en-US" sz="1600" dirty="0">
-                <a:hlinkClick r:id="rId3"/>
-              </a:rPr>
-              <a:t>https://youtu.be/F0bunR-iBHU?list=PLH3wHnw9b170XP7HkZ6wc-FNl_7kxZOyo</a:t>
-            </a:r>
-            <a:endParaRPr lang="en-US" sz="1600" dirty="0"/>
-          </a:p>
-          <a:p>
-            <a:pPr lvl="1"/>
-            <a:r>
-              <a:rPr lang="en-US" sz="1600" dirty="0">
-                <a:hlinkClick r:id="rId4"/>
-              </a:rPr>
-              <a:t>https://youtu.be/-IaTwfQXmY0?list=PLH3wHnw9b170XP7HkZ6wc-FNl_7kxZOyo</a:t>
-            </a:r>
-            <a:endParaRPr lang="en-US" sz="1600" dirty="0"/>
-          </a:p>
-          <a:p>
-            <a:endParaRPr lang="en-US" sz="1600" dirty="0"/>
-          </a:p>
-          <a:p>
-            <a:r>
-              <a:rPr lang="en-US" sz="1600" dirty="0"/>
-              <a:t>Isaac Lloyd Tips &amp; Tricks Videos: </a:t>
-            </a:r>
-          </a:p>
-          <a:p>
-            <a:pPr lvl="1"/>
-            <a:r>
-              <a:rPr lang="en-US" sz="1600" dirty="0">
-                <a:hlinkClick r:id="rId5"/>
-              </a:rPr>
-              <a:t>https://youtu.be/X4c7Q0W4cDI</a:t>
-            </a:r>
-            <a:endParaRPr lang="en-US" sz="1600" dirty="0"/>
-          </a:p>
-          <a:p>
-            <a:pPr lvl="1"/>
-            <a:r>
-              <a:rPr lang="en-US" sz="1600" dirty="0">
-                <a:hlinkClick r:id="rId6"/>
-              </a:rPr>
-              <a:t>https://youtu.be/p-UBj76eEGA</a:t>
-            </a:r>
-            <a:endParaRPr lang="en-US" sz="1600" dirty="0"/>
-          </a:p>
-        </p:txBody>
-      </p:sp>
-      <p:sp>
-        <p:nvSpPr>
-          <p:cNvPr id="4" name="Footer Placeholder 3"/>
-          <p:cNvSpPr>
-            <a:spLocks noGrp="1"/>
-          </p:cNvSpPr>
-          <p:nvPr>
-            <p:ph type="ftr" sz="quarter" idx="11"/>
-          </p:nvPr>
-        </p:nvSpPr>
-        <p:spPr/>
-        <p:txBody>
-          <a:bodyPr/>
-          <a:lstStyle/>
-          <a:p>
-            <a:r>
-              <a:rPr lang="en-US"/>
-              <a:t>© 2018, FLL Tutorials, Last Edit 6/11/2018</a:t>
-            </a:r>
-          </a:p>
-        </p:txBody>
-      </p:sp>
-    </p:spTree>
-    <p:extLst>
-      <p:ext uri="{BB962C8B-B14F-4D97-AF65-F5344CB8AC3E}">
-        <p14:creationId xmlns:p14="http://schemas.microsoft.com/office/powerpoint/2010/main" val="1981924634"/>
-      </p:ext>
-    </p:extLst>
-  </p:cSld>
-  <p:clrMapOvr>
-    <a:masterClrMapping/>
-  </p:clrMapOvr>
-</p:sld>
-</file>
-
 <file path=ppt/slides/slide9.xml><?xml version="1.0" encoding="utf-8"?>
 <p:sld xmlns:a="http://schemas.openxmlformats.org/drawingml/2006/main" xmlns:r="http://schemas.openxmlformats.org/officeDocument/2006/relationships" xmlns:p="http://schemas.openxmlformats.org/presentationml/2006/main">
   <p:cSld>
@@ -31760,7 +31911,7 @@
           <a:p>
             <a:r>
               <a:rPr lang="en-US" dirty="0"/>
-              <a:t>Limitations with LDD</a:t>
+              <a:t>LOTS MORE TIPS &amp; TRICKS</a:t>
             </a:r>
           </a:p>
         </p:txBody>
@@ -31775,12 +31926,7 @@
             <p:ph idx="1"/>
           </p:nvPr>
         </p:nvSpPr>
-        <p:spPr>
-          <a:xfrm>
-            <a:off x="457200" y="1514475"/>
-            <a:ext cx="8245474" cy="4611688"/>
-          </a:xfrm>
-        </p:spPr>
+        <p:spPr/>
         <p:txBody>
           <a:bodyPr>
             <a:normAutofit/>
@@ -31788,27 +31934,58 @@
           <a:lstStyle/>
           <a:p>
             <a:r>
-              <a:rPr lang="en-US" sz="2800" dirty="0"/>
-              <a:t>Build instructions generated by the software often seem out-of-order and do not make sense</a:t>
-            </a:r>
-          </a:p>
-          <a:p>
-            <a:r>
-              <a:rPr lang="en-US" sz="2800" dirty="0"/>
-              <a:t>Build instructions cannot be customized</a:t>
-            </a:r>
-          </a:p>
-          <a:p>
-            <a:r>
-              <a:rPr lang="en-US" sz="2800" dirty="0"/>
-              <a:t>Sometimes builds you may have created in the real world are not permitted in the LDD environment as they are technically stressing the LEGO elements</a:t>
-            </a:r>
-          </a:p>
-          <a:p>
-            <a:r>
-              <a:rPr lang="en-US" sz="2800" dirty="0"/>
-              <a:t>Pneumatic hoses, rubber bands, and some other elements often cannot be connected and placed correctly</a:t>
-            </a:r>
+              <a:rPr lang="en-US" sz="1600" dirty="0"/>
+              <a:t>Virtual Robotics Toolkit Introduction to LDD Videos:</a:t>
+            </a:r>
+          </a:p>
+          <a:p>
+            <a:pPr lvl="1"/>
+            <a:r>
+              <a:rPr lang="en-US" sz="1600" dirty="0">
+                <a:hlinkClick r:id="rId3"/>
+              </a:rPr>
+              <a:t>https://youtu.be/F0bunR-iBHU?list=PLH3wHnw9b170XP7HkZ6wc-FNl_7kxZOyo</a:t>
+            </a:r>
+            <a:endParaRPr lang="en-US" sz="1600" dirty="0"/>
+          </a:p>
+          <a:p>
+            <a:pPr lvl="1"/>
+            <a:r>
+              <a:rPr lang="en-US" sz="1600" dirty="0">
+                <a:hlinkClick r:id="rId4"/>
+              </a:rPr>
+              <a:t>https://youtu.be/-IaTwfQXmY0?list=PLH3wHnw9b170XP7HkZ6wc-FNl_7kxZOyo</a:t>
+            </a:r>
+            <a:endParaRPr lang="en-US" sz="1600" dirty="0"/>
+          </a:p>
+          <a:p>
+            <a:endParaRPr lang="en-US" sz="1600" dirty="0"/>
+          </a:p>
+          <a:p>
+            <a:r>
+              <a:rPr lang="en-US" sz="1600" dirty="0"/>
+              <a:t>Isaac Lloyd Tips &amp; Tricks Videos: </a:t>
+            </a:r>
+          </a:p>
+          <a:p>
+            <a:pPr lvl="1"/>
+            <a:r>
+              <a:rPr lang="en-US" sz="1600" dirty="0">
+                <a:hlinkClick r:id="rId5"/>
+              </a:rPr>
+              <a:t>https://youtu.be/X4c7Q0W4cDI</a:t>
+            </a:r>
+            <a:endParaRPr lang="en-US" sz="1600" dirty="0"/>
+          </a:p>
+          <a:p>
+            <a:pPr lvl="1"/>
+            <a:r>
+              <a:rPr lang="en-US" sz="1600" dirty="0">
+                <a:hlinkClick r:id="rId6"/>
+              </a:rPr>
+              <a:t>https://youtu.be/p-UBj76eEGA</a:t>
+            </a:r>
+            <a:endParaRPr lang="en-US" sz="1600" dirty="0"/>
           </a:p>
         </p:txBody>
       </p:sp>
@@ -31829,7 +32006,7 @@
           <a:p>
             <a:r>
               <a:rPr lang="en-US"/>
-              <a:t>© 2018, FLL Tutorials, Last Edit 6/11/2018</a:t>
+              <a:t>© 2023, FLLTutorials.com, Last Edit 5/29/2023</a:t>
             </a:r>
           </a:p>
         </p:txBody>
@@ -31837,7 +32014,7 @@
     </p:spTree>
     <p:extLst>
       <p:ext uri="{BB962C8B-B14F-4D97-AF65-F5344CB8AC3E}">
-        <p14:creationId xmlns:p14="http://schemas.microsoft.com/office/powerpoint/2010/main" val="688876347"/>
+        <p14:creationId xmlns:p14="http://schemas.microsoft.com/office/powerpoint/2010/main" val="1981924634"/>
       </p:ext>
     </p:extLst>
   </p:cSld>
